--- a/Offline/Marketing/MarketingArtworks/pptx/PosterBrandAmbassador.pptx
+++ b/Offline/Marketing/MarketingArtworks/pptx/PosterBrandAmbassador.pptx
@@ -4591,8 +4591,8 @@
         </p:nvSpPr>
         <p:spPr>
           <a:xfrm>
-            <a:off x="54928" y="27189740"/>
-            <a:ext cx="25507765" cy="10833735"/>
+            <a:off x="54928" y="26362425"/>
+            <a:ext cx="25507765" cy="11941731"/>
           </a:xfrm>
           <a:prstGeom prst="rect">
             <a:avLst/>
@@ -4607,23 +4607,23 @@
           <a:p>
             <a:pPr algn="ctr">
               <a:lnSpc>
-                <a:spcPct val="200000"/>
+                <a:spcPct val="250000"/>
               </a:lnSpc>
             </a:pPr>
             <a:r>
-              <a:rPr lang="en-US" sz="9800" b="1" cap="small" dirty="0">
+              <a:rPr lang="en-US" sz="9600" b="1" cap="small" dirty="0">
                 <a:solidFill>
                   <a:srgbClr val="C00000"/>
                 </a:solidFill>
                 <a:latin typeface="Oxygen" panose="02000503000000000000" pitchFamily="2" charset="0"/>
               </a:rPr>
-              <a:t>Artificial Intelligence ICSE/CBSE/WB III-XII</a:t>
+              <a:t>Artificial Intelligence, Robotics - Class III-XII</a:t>
             </a:r>
           </a:p>
           <a:p>
             <a:pPr algn="ctr"/>
             <a:r>
-              <a:rPr lang="en-US" sz="10000" b="1" cap="small" dirty="0">
+              <a:rPr lang="en-US" sz="9800" b="1" cap="small" dirty="0">
                 <a:solidFill>
                   <a:schemeClr val="accent1">
                     <a:lumMod val="50000"/>
@@ -4631,7 +4631,7 @@
                 </a:solidFill>
                 <a:latin typeface="Oxygen" panose="02000503000000000000" pitchFamily="2" charset="0"/>
               </a:rPr>
-              <a:t>Professional AI &amp; IT Training and Projects </a:t>
+              <a:t>Professional AI &amp; IT Training &amp; Projects </a:t>
             </a:r>
             <a:r>
               <a:rPr lang="en-US" sz="7200" b="1" cap="small" dirty="0">
@@ -4642,24 +4642,13 @@
                 </a:solidFill>
                 <a:latin typeface="Oxygen" panose="02000503000000000000" pitchFamily="2" charset="0"/>
               </a:rPr>
-              <a:t>Data Science, </a:t>
-            </a:r>
-            <a:r>
-              <a:rPr lang="en-US" sz="6600" b="1" cap="small" dirty="0">
-                <a:solidFill>
-                  <a:schemeClr val="accent1">
-                    <a:lumMod val="75000"/>
-                  </a:schemeClr>
-                </a:solidFill>
-                <a:latin typeface="Oxygen" panose="02000503000000000000" pitchFamily="2" charset="0"/>
-              </a:rPr>
-              <a:t>Comp Vision, NLP, DSP</a:t>
+              <a:t>Data Science, Computer Vision, NLP, DSP</a:t>
             </a:r>
           </a:p>
           <a:p>
             <a:pPr algn="ctr"/>
             <a:r>
-              <a:rPr lang="en-US" sz="6600" b="1" cap="small" dirty="0">
+              <a:rPr lang="en-US" sz="7200" b="1" cap="small" dirty="0">
                 <a:solidFill>
                   <a:schemeClr val="accent1">
                     <a:lumMod val="75000"/>
@@ -4673,7 +4662,7 @@
           <a:p>
             <a:pPr algn="ctr"/>
             <a:r>
-              <a:rPr lang="en-US" sz="6600" b="1" cap="small" dirty="0">
+              <a:rPr lang="en-US" sz="7200" b="1" cap="small" dirty="0">
                 <a:solidFill>
                   <a:schemeClr val="accent1">
                     <a:lumMod val="75000"/>
@@ -4687,7 +4676,7 @@
           <a:p>
             <a:pPr algn="ctr"/>
             <a:r>
-              <a:rPr lang="en-US" sz="6600" b="1" cap="small" dirty="0">
+              <a:rPr lang="en-US" sz="7200" b="1" cap="small" dirty="0">
                 <a:solidFill>
                   <a:schemeClr val="accent1">
                     <a:lumMod val="75000"/>
@@ -4701,7 +4690,7 @@
           <a:p>
             <a:pPr algn="ctr"/>
             <a:r>
-              <a:rPr lang="en-US" sz="6600" b="1" cap="small" dirty="0">
+              <a:rPr lang="en-US" sz="7200" b="1" cap="small" dirty="0">
                 <a:solidFill>
                   <a:schemeClr val="accent1">
                     <a:lumMod val="75000"/>
@@ -4709,13 +4698,13 @@
                 </a:solidFill>
                 <a:latin typeface="Oxygen" panose="02000503000000000000" pitchFamily="2" charset="0"/>
               </a:rPr>
-              <a:t>Database, NoSQL, Cyber Sec, Automation Test</a:t>
+              <a:t>Database, Firebase, Cyber Sec, Automation Test</a:t>
             </a:r>
           </a:p>
           <a:p>
             <a:pPr algn="ctr"/>
             <a:r>
-              <a:rPr lang="en-US" sz="6600" b="1" cap="small" dirty="0">
+              <a:rPr lang="en-US" sz="7200" b="1" cap="small" dirty="0">
                 <a:solidFill>
                   <a:schemeClr val="accent1">
                     <a:lumMod val="75000"/>
@@ -4725,7 +4714,7 @@
               </a:rPr>
               <a:t>Pmp, Agile, Office, Adv Excel, Tally, Html, Css</a:t>
             </a:r>
-            <a:endParaRPr lang="en-US" sz="6600" b="1" cap="small" dirty="0">
+            <a:endParaRPr lang="en-US" sz="4800" b="1" cap="small" dirty="0">
               <a:solidFill>
                 <a:schemeClr val="accent1">
                   <a:lumMod val="50000"/>

--- a/Offline/Marketing/MarketingArtworks/pptx/PosterBrandAmbassador.pptx
+++ b/Offline/Marketing/MarketingArtworks/pptx/PosterBrandAmbassador.pptx
@@ -6,7 +6,7 @@
   </p:sldMasterIdLst>
   <p:sldIdLst>
     <p:sldId id="256" r:id="rId2"/>
-    <p:sldId id="258" r:id="rId3"/>
+    <p:sldId id="259" r:id="rId3"/>
   </p:sldIdLst>
   <p:sldSz cx="25603200" cy="38404800"/>
   <p:notesSz cx="6858000" cy="9144000"/>
@@ -244,7 +244,7 @@
           <a:p>
             <a:fld id="{E3759604-EFD2-4C79-BE13-E71CA39EA512}" type="datetimeFigureOut">
               <a:rPr lang="en-US" smtClean="0"/>
-              <a:t>8/11/2023</a:t>
+              <a:t>8/13/2023</a:t>
             </a:fld>
             <a:endParaRPr lang="en-US"/>
           </a:p>
@@ -414,7 +414,7 @@
           <a:p>
             <a:fld id="{E3759604-EFD2-4C79-BE13-E71CA39EA512}" type="datetimeFigureOut">
               <a:rPr lang="en-US" smtClean="0"/>
-              <a:t>8/11/2023</a:t>
+              <a:t>8/13/2023</a:t>
             </a:fld>
             <a:endParaRPr lang="en-US"/>
           </a:p>
@@ -594,7 +594,7 @@
           <a:p>
             <a:fld id="{E3759604-EFD2-4C79-BE13-E71CA39EA512}" type="datetimeFigureOut">
               <a:rPr lang="en-US" smtClean="0"/>
-              <a:t>8/11/2023</a:t>
+              <a:t>8/13/2023</a:t>
             </a:fld>
             <a:endParaRPr lang="en-US"/>
           </a:p>
@@ -764,7 +764,7 @@
           <a:p>
             <a:fld id="{E3759604-EFD2-4C79-BE13-E71CA39EA512}" type="datetimeFigureOut">
               <a:rPr lang="en-US" smtClean="0"/>
-              <a:t>8/11/2023</a:t>
+              <a:t>8/13/2023</a:t>
             </a:fld>
             <a:endParaRPr lang="en-US"/>
           </a:p>
@@ -1008,7 +1008,7 @@
           <a:p>
             <a:fld id="{E3759604-EFD2-4C79-BE13-E71CA39EA512}" type="datetimeFigureOut">
               <a:rPr lang="en-US" smtClean="0"/>
-              <a:t>8/11/2023</a:t>
+              <a:t>8/13/2023</a:t>
             </a:fld>
             <a:endParaRPr lang="en-US"/>
           </a:p>
@@ -1240,7 +1240,7 @@
           <a:p>
             <a:fld id="{E3759604-EFD2-4C79-BE13-E71CA39EA512}" type="datetimeFigureOut">
               <a:rPr lang="en-US" smtClean="0"/>
-              <a:t>8/11/2023</a:t>
+              <a:t>8/13/2023</a:t>
             </a:fld>
             <a:endParaRPr lang="en-US"/>
           </a:p>
@@ -1607,7 +1607,7 @@
           <a:p>
             <a:fld id="{E3759604-EFD2-4C79-BE13-E71CA39EA512}" type="datetimeFigureOut">
               <a:rPr lang="en-US" smtClean="0"/>
-              <a:t>8/11/2023</a:t>
+              <a:t>8/13/2023</a:t>
             </a:fld>
             <a:endParaRPr lang="en-US"/>
           </a:p>
@@ -1725,7 +1725,7 @@
           <a:p>
             <a:fld id="{E3759604-EFD2-4C79-BE13-E71CA39EA512}" type="datetimeFigureOut">
               <a:rPr lang="en-US" smtClean="0"/>
-              <a:t>8/11/2023</a:t>
+              <a:t>8/13/2023</a:t>
             </a:fld>
             <a:endParaRPr lang="en-US"/>
           </a:p>
@@ -1820,7 +1820,7 @@
           <a:p>
             <a:fld id="{E3759604-EFD2-4C79-BE13-E71CA39EA512}" type="datetimeFigureOut">
               <a:rPr lang="en-US" smtClean="0"/>
-              <a:t>8/11/2023</a:t>
+              <a:t>8/13/2023</a:t>
             </a:fld>
             <a:endParaRPr lang="en-US"/>
           </a:p>
@@ -2097,7 +2097,7 @@
           <a:p>
             <a:fld id="{E3759604-EFD2-4C79-BE13-E71CA39EA512}" type="datetimeFigureOut">
               <a:rPr lang="en-US" smtClean="0"/>
-              <a:t>8/11/2023</a:t>
+              <a:t>8/13/2023</a:t>
             </a:fld>
             <a:endParaRPr lang="en-US"/>
           </a:p>
@@ -2354,7 +2354,7 @@
           <a:p>
             <a:fld id="{E3759604-EFD2-4C79-BE13-E71CA39EA512}" type="datetimeFigureOut">
               <a:rPr lang="en-US" smtClean="0"/>
-              <a:t>8/11/2023</a:t>
+              <a:t>8/13/2023</a:t>
             </a:fld>
             <a:endParaRPr lang="en-US"/>
           </a:p>
@@ -2567,7 +2567,7 @@
           <a:p>
             <a:fld id="{E3759604-EFD2-4C79-BE13-E71CA39EA512}" type="datetimeFigureOut">
               <a:rPr lang="en-US" smtClean="0"/>
-              <a:t>8/11/2023</a:t>
+              <a:t>8/13/2023</a:t>
             </a:fld>
             <a:endParaRPr lang="en-US"/>
           </a:p>
@@ -2974,10 +2974,10 @@
       </p:grpSpPr>
       <p:pic>
         <p:nvPicPr>
-          <p:cNvPr id="4" name="Picture 3">
+          <p:cNvPr id="3" name="Picture 2">
             <a:extLst>
               <a:ext uri="{FF2B5EF4-FFF2-40B4-BE49-F238E27FC236}">
-                <a16:creationId xmlns:a16="http://schemas.microsoft.com/office/drawing/2014/main" id="{63E5B9F4-C828-452F-C751-5F9AF64C2AE9}"/>
+                <a16:creationId xmlns:a16="http://schemas.microsoft.com/office/drawing/2014/main" id="{84823422-3B08-6339-404A-A7A348525201}"/>
               </a:ext>
             </a:extLst>
           </p:cNvPr>
@@ -2994,8 +2994,8 @@
         </p:blipFill>
         <p:spPr>
           <a:xfrm>
-            <a:off x="6940" y="-1076"/>
-            <a:ext cx="25603743" cy="24718388"/>
+            <a:off x="6939" y="-4579"/>
+            <a:ext cx="25603742" cy="24718388"/>
           </a:xfrm>
           <a:prstGeom prst="rect">
             <a:avLst/>
@@ -3004,10 +3004,10 @@
       </p:pic>
       <p:pic>
         <p:nvPicPr>
-          <p:cNvPr id="27" name="Picture 26">
+          <p:cNvPr id="6" name="Picture 5">
             <a:extLst>
               <a:ext uri="{FF2B5EF4-FFF2-40B4-BE49-F238E27FC236}">
-                <a16:creationId xmlns:a16="http://schemas.microsoft.com/office/drawing/2014/main" id="{630F8093-DFCD-9C8F-163E-96E19BF8676A}"/>
+                <a16:creationId xmlns:a16="http://schemas.microsoft.com/office/drawing/2014/main" id="{2000A589-4A79-644F-5EF5-927C8FC6F7D3}"/>
               </a:ext>
             </a:extLst>
           </p:cNvPr>
@@ -3030,7 +3030,7 @@
         </p:blipFill>
         <p:spPr>
           <a:xfrm>
-            <a:off x="12590210" y="11865980"/>
+            <a:off x="12599071" y="7932190"/>
             <a:ext cx="13006052" cy="19304211"/>
           </a:xfrm>
           <a:prstGeom prst="rect">
@@ -3040,10 +3040,10 @@
       </p:pic>
       <p:pic>
         <p:nvPicPr>
-          <p:cNvPr id="13" name="Picture 12">
+          <p:cNvPr id="7" name="Picture 6">
             <a:extLst>
               <a:ext uri="{FF2B5EF4-FFF2-40B4-BE49-F238E27FC236}">
-                <a16:creationId xmlns:a16="http://schemas.microsoft.com/office/drawing/2014/main" id="{0B8D66B7-B7EF-A10E-ACF6-180961A64482}"/>
+                <a16:creationId xmlns:a16="http://schemas.microsoft.com/office/drawing/2014/main" id="{A29DD826-F8EC-5FCB-38BD-104F9A98C906}"/>
               </a:ext>
             </a:extLst>
           </p:cNvPr>
@@ -3065,9 +3065,9 @@
           </a:stretch>
         </p:blipFill>
         <p:spPr>
-          <a:xfrm>
-            <a:off x="3237715" y="533861"/>
-            <a:ext cx="19106561" cy="9280333"/>
+          <a:xfrm rot="21440353">
+            <a:off x="14522874" y="16214797"/>
+            <a:ext cx="1197356" cy="1131942"/>
           </a:xfrm>
           <a:prstGeom prst="rect">
             <a:avLst/>
@@ -3076,10 +3076,10 @@
       </p:pic>
       <p:sp>
         <p:nvSpPr>
-          <p:cNvPr id="37" name="TextBox 36">
+          <p:cNvPr id="8" name="TextBox 7">
             <a:extLst>
               <a:ext uri="{FF2B5EF4-FFF2-40B4-BE49-F238E27FC236}">
-                <a16:creationId xmlns:a16="http://schemas.microsoft.com/office/drawing/2014/main" id="{D8F4ED22-01EC-7429-671A-220A0C689694}"/>
+                <a16:creationId xmlns:a16="http://schemas.microsoft.com/office/drawing/2014/main" id="{83594983-77B9-B941-6341-697A4E0F8CB0}"/>
               </a:ext>
             </a:extLst>
           </p:cNvPr>
@@ -3088,7 +3088,7 @@
         </p:nvSpPr>
         <p:spPr>
           <a:xfrm>
-            <a:off x="3278958" y="9933853"/>
+            <a:off x="3278956" y="6224623"/>
             <a:ext cx="9555039" cy="1446550"/>
           </a:xfrm>
           <a:prstGeom prst="rect">
@@ -3115,7 +3115,7 @@
                   <a:srgbClr val="C00000"/>
                 </a:solidFill>
                 <a:effectLst>
-                  <a:glow rad="50800">
+                  <a:glow>
                     <a:srgbClr val="C00000">
                       <a:alpha val="40000"/>
                     </a:srgbClr>
@@ -3141,7 +3141,7 @@
                 <a:srgbClr val="C00000"/>
               </a:solidFill>
               <a:effectLst>
-                <a:glow rad="50800">
+                <a:glow>
                   <a:srgbClr val="C00000">
                     <a:alpha val="40000"/>
                   </a:srgbClr>
@@ -3159,10 +3159,10 @@
       </p:sp>
       <p:sp>
         <p:nvSpPr>
-          <p:cNvPr id="39" name="TextBox 38">
+          <p:cNvPr id="10" name="TextBox 9">
             <a:extLst>
               <a:ext uri="{FF2B5EF4-FFF2-40B4-BE49-F238E27FC236}">
-                <a16:creationId xmlns:a16="http://schemas.microsoft.com/office/drawing/2014/main" id="{F71474C8-D56F-A009-1E43-209F024854AC}"/>
+                <a16:creationId xmlns:a16="http://schemas.microsoft.com/office/drawing/2014/main" id="{3E9535B4-0392-E7BF-7AA7-10FF4E37EC0E}"/>
               </a:ext>
             </a:extLst>
           </p:cNvPr>
@@ -3171,7 +3171,7 @@
         </p:nvSpPr>
         <p:spPr>
           <a:xfrm>
-            <a:off x="3298482" y="11425836"/>
+            <a:off x="3298480" y="7716607"/>
             <a:ext cx="19106561" cy="1015663"/>
           </a:xfrm>
           <a:prstGeom prst="rect">
@@ -3218,10 +3218,10 @@
       </p:sp>
       <p:pic>
         <p:nvPicPr>
-          <p:cNvPr id="40" name="Picture 14" descr="Whatsapp Icon PNGs for Free Download">
+          <p:cNvPr id="11" name="Picture 14" descr="Whatsapp Icon PNGs for Free Download">
             <a:extLst>
               <a:ext uri="{FF2B5EF4-FFF2-40B4-BE49-F238E27FC236}">
-                <a16:creationId xmlns:a16="http://schemas.microsoft.com/office/drawing/2014/main" id="{4614A863-72B5-6D79-5611-3F749E580A6C}"/>
+                <a16:creationId xmlns:a16="http://schemas.microsoft.com/office/drawing/2014/main" id="{4A3A1513-50FA-1F90-06CD-E3AB17EE585B}"/>
               </a:ext>
             </a:extLst>
           </p:cNvPr>
@@ -3245,7 +3245,7 @@
         </p:blipFill>
         <p:spPr bwMode="auto">
           <a:xfrm>
-            <a:off x="21534636" y="10298077"/>
+            <a:off x="21534635" y="6588846"/>
             <a:ext cx="1046991" cy="1046991"/>
           </a:xfrm>
           <a:prstGeom prst="rect">
@@ -3265,10 +3265,10 @@
       </p:pic>
       <p:sp>
         <p:nvSpPr>
-          <p:cNvPr id="41" name="Rectangle 40">
+          <p:cNvPr id="12" name="Rectangle 11">
             <a:extLst>
               <a:ext uri="{FF2B5EF4-FFF2-40B4-BE49-F238E27FC236}">
-                <a16:creationId xmlns:a16="http://schemas.microsoft.com/office/drawing/2014/main" id="{F9D8F186-43FC-19CD-B884-5AEC7E1E6390}"/>
+                <a16:creationId xmlns:a16="http://schemas.microsoft.com/office/drawing/2014/main" id="{954FABBE-4798-D86B-C21A-5F0C0A85A86D}"/>
               </a:ext>
             </a:extLst>
           </p:cNvPr>
@@ -3277,7 +3277,7 @@
         </p:nvSpPr>
         <p:spPr>
           <a:xfrm>
-            <a:off x="13457671" y="9714722"/>
+            <a:off x="13457671" y="6005493"/>
             <a:ext cx="8984380" cy="1707262"/>
           </a:xfrm>
           <a:prstGeom prst="rect">
@@ -3307,7 +3307,7 @@
                   <a:srgbClr val="C00000"/>
                 </a:solidFill>
                 <a:effectLst>
-                  <a:glow rad="63500">
+                  <a:glow>
                     <a:srgbClr val="C00000">
                       <a:alpha val="40000"/>
                     </a:srgbClr>
@@ -3333,7 +3333,7 @@
                 <a:srgbClr val="C00000"/>
               </a:solidFill>
               <a:effectLst>
-                <a:glow rad="63500">
+                <a:glow>
                   <a:srgbClr val="C00000">
                     <a:alpha val="40000"/>
                   </a:srgbClr>
@@ -3351,10 +3351,10 @@
       </p:sp>
       <p:pic>
         <p:nvPicPr>
-          <p:cNvPr id="42" name="Picture 18" descr="Page 2 | Phone Icon Png Images - Free Download on Freepik">
+          <p:cNvPr id="14" name="Picture 18" descr="Page 2 | Phone Icon Png Images - Free Download on Freepik">
             <a:extLst>
               <a:ext uri="{FF2B5EF4-FFF2-40B4-BE49-F238E27FC236}">
-                <a16:creationId xmlns:a16="http://schemas.microsoft.com/office/drawing/2014/main" id="{0AE7602C-AB89-8DF9-830B-C813846C2C66}"/>
+                <a16:creationId xmlns:a16="http://schemas.microsoft.com/office/drawing/2014/main" id="{EC042AD0-DEA8-0589-A3C6-95DBD38B8044}"/>
               </a:ext>
             </a:extLst>
           </p:cNvPr>
@@ -3378,7 +3378,7 @@
         </p:blipFill>
         <p:spPr bwMode="auto">
           <a:xfrm>
-            <a:off x="13556460" y="10271930"/>
+            <a:off x="13556459" y="6562700"/>
             <a:ext cx="964851" cy="964851"/>
           </a:xfrm>
           <a:prstGeom prst="rect">
@@ -3398,10 +3398,10 @@
       </p:pic>
       <p:pic>
         <p:nvPicPr>
-          <p:cNvPr id="17" name="Picture 16">
+          <p:cNvPr id="15" name="Picture 14">
             <a:extLst>
               <a:ext uri="{FF2B5EF4-FFF2-40B4-BE49-F238E27FC236}">
-                <a16:creationId xmlns:a16="http://schemas.microsoft.com/office/drawing/2014/main" id="{2A88CD58-A345-2D82-B535-B54DF3C15F5C}"/>
+                <a16:creationId xmlns:a16="http://schemas.microsoft.com/office/drawing/2014/main" id="{CB1A5ED9-A2A9-55E7-341F-250B33ACB9E4}"/>
               </a:ext>
             </a:extLst>
           </p:cNvPr>
@@ -3423,9 +3423,9 @@
           </a:stretch>
         </p:blipFill>
         <p:spPr>
-          <a:xfrm rot="21440353">
-            <a:off x="14521842" y="20196405"/>
-            <a:ext cx="1197356" cy="1131943"/>
+          <a:xfrm>
+            <a:off x="7398417" y="770599"/>
+            <a:ext cx="10785155" cy="5238505"/>
           </a:xfrm>
           <a:prstGeom prst="rect">
             <a:avLst/>
@@ -3434,10 +3434,10 @@
       </p:pic>
       <p:sp>
         <p:nvSpPr>
-          <p:cNvPr id="9" name="32-Point Star 20">
+          <p:cNvPr id="2" name="32-Point Star 20">
             <a:extLst>
               <a:ext uri="{FF2B5EF4-FFF2-40B4-BE49-F238E27FC236}">
-                <a16:creationId xmlns:a16="http://schemas.microsoft.com/office/drawing/2014/main" id="{013D7344-D51C-35DC-9DCB-9528C8A4AFF7}"/>
+                <a16:creationId xmlns:a16="http://schemas.microsoft.com/office/drawing/2014/main" id="{DDD6EA20-3DB1-CB1A-D88C-F00EE0266C58}"/>
               </a:ext>
             </a:extLst>
           </p:cNvPr>
@@ -3446,18 +3446,18 @@
         </p:nvSpPr>
         <p:spPr>
           <a:xfrm rot="21243013">
-            <a:off x="8218971" y="12873544"/>
-            <a:ext cx="9704255" cy="6077043"/>
+            <a:off x="7756438" y="9049687"/>
+            <a:ext cx="10815524" cy="6012258"/>
           </a:xfrm>
           <a:prstGeom prst="star32">
             <a:avLst/>
           </a:prstGeom>
           <a:solidFill>
-            <a:srgbClr val="002060"/>
+            <a:srgbClr val="FF0000"/>
           </a:solidFill>
-          <a:ln w="317500">
+          <a:ln w="254000">
             <a:solidFill>
-              <a:srgbClr val="FF0000"/>
+              <a:srgbClr val="0066FF"/>
             </a:solidFill>
           </a:ln>
         </p:spPr>
@@ -3483,16 +3483,25 @@
           <a:p>
             <a:pPr algn="ctr"/>
             <a:r>
-              <a:rPr lang="en-US" sz="3600" b="1" cap="small" dirty="0">
+              <a:rPr lang="en-US" sz="4400" b="1" cap="small" dirty="0">
                 <a:solidFill>
                   <a:schemeClr val="bg1"/>
                 </a:solidFill>
                 <a:latin typeface="Oxygen" panose="02000503000000000000" pitchFamily="2" charset="0"/>
               </a:rPr>
-              <a:t>Upto </a:t>
-            </a:r>
-            <a:r>
-              <a:rPr lang="en-US" sz="15000" b="1" cap="small" dirty="0">
+              <a:t>Upto</a:t>
+            </a:r>
+            <a:r>
+              <a:rPr lang="en-US" sz="3200" b="1" cap="small" dirty="0">
+                <a:solidFill>
+                  <a:schemeClr val="bg1"/>
+                </a:solidFill>
+                <a:latin typeface="Oxygen" panose="02000503000000000000" pitchFamily="2" charset="0"/>
+              </a:rPr>
+              <a:t> </a:t>
+            </a:r>
+            <a:r>
+              <a:rPr lang="en-US" sz="11600" b="1" cap="small" dirty="0">
                 <a:solidFill>
                   <a:schemeClr val="bg1"/>
                 </a:solidFill>
@@ -3501,16 +3510,7 @@
               <a:t>50%</a:t>
             </a:r>
             <a:r>
-              <a:rPr lang="en-US" sz="3600" b="1" cap="small" dirty="0">
-                <a:solidFill>
-                  <a:schemeClr val="bg1"/>
-                </a:solidFill>
-                <a:latin typeface="Oxygen" panose="02000503000000000000" pitchFamily="2" charset="0"/>
-              </a:rPr>
-              <a:t> Off</a:t>
-            </a:r>
-            <a:r>
-              <a:rPr lang="en-US" sz="5400" b="1" cap="small" dirty="0">
+              <a:rPr lang="en-US" sz="3200" b="1" cap="small" dirty="0">
                 <a:solidFill>
                   <a:schemeClr val="bg1"/>
                 </a:solidFill>
@@ -3518,27 +3518,51 @@
               </a:rPr>
               <a:t> </a:t>
             </a:r>
-          </a:p>
-          <a:p>
-            <a:pPr algn="ctr"/>
-            <a:r>
-              <a:rPr lang="en-US" sz="3600" b="1" cap="small" dirty="0">
+            <a:r>
+              <a:rPr lang="en-US" sz="4400" b="1" cap="small" dirty="0">
                 <a:solidFill>
                   <a:schemeClr val="bg1"/>
                 </a:solidFill>
                 <a:latin typeface="Oxygen" panose="02000503000000000000" pitchFamily="2" charset="0"/>
               </a:rPr>
-              <a:t>T&amp;C Applies</a:t>
-            </a:r>
+              <a:t>Off</a:t>
+            </a:r>
+            <a:r>
+              <a:rPr lang="en-US" sz="6000" b="1" cap="small" dirty="0">
+                <a:solidFill>
+                  <a:schemeClr val="bg1"/>
+                </a:solidFill>
+                <a:latin typeface="Oxygen" panose="02000503000000000000" pitchFamily="2" charset="0"/>
+              </a:rPr>
+              <a:t> </a:t>
+            </a:r>
+          </a:p>
+          <a:p>
+            <a:pPr algn="ctr"/>
+            <a:r>
+              <a:rPr lang="en-US" sz="4400" b="1" cap="small" dirty="0">
+                <a:solidFill>
+                  <a:schemeClr val="bg1"/>
+                </a:solidFill>
+                <a:latin typeface="Oxygen" panose="02000503000000000000" pitchFamily="2" charset="0"/>
+              </a:rPr>
+              <a:t>T&amp;C Apply</a:t>
+            </a:r>
+            <a:endParaRPr lang="en-US" sz="2800" b="1" cap="small" dirty="0">
+              <a:solidFill>
+                <a:schemeClr val="bg1"/>
+              </a:solidFill>
+              <a:latin typeface="Oxygen" panose="02000503000000000000" pitchFamily="2" charset="0"/>
+            </a:endParaRPr>
           </a:p>
         </p:txBody>
       </p:sp>
       <p:pic>
         <p:nvPicPr>
-          <p:cNvPr id="5" name="Picture 4">
+          <p:cNvPr id="4" name="Picture 3">
             <a:extLst>
               <a:ext uri="{FF2B5EF4-FFF2-40B4-BE49-F238E27FC236}">
-                <a16:creationId xmlns:a16="http://schemas.microsoft.com/office/drawing/2014/main" id="{AC73743A-F8AA-2C8D-2E19-037F2BC146F7}"/>
+                <a16:creationId xmlns:a16="http://schemas.microsoft.com/office/drawing/2014/main" id="{ADE0641F-94F4-E5B5-7C9C-44503FA7B852}"/>
               </a:ext>
             </a:extLst>
           </p:cNvPr>
@@ -3554,7 +3578,7 @@
                 <a14:imgProps xmlns:a14="http://schemas.microsoft.com/office/drawing/2010/main">
                   <a14:imgLayer r:embed="rId9">
                     <a14:imgEffect>
-                      <a14:brightnessContrast bright="20000" contrast="20000"/>
+                      <a14:brightnessContrast bright="30000" contrast="30000"/>
                     </a14:imgEffect>
                   </a14:imgLayer>
                 </a14:imgProps>
@@ -3569,21 +3593,430 @@
           </a:stretch>
         </p:blipFill>
         <p:spPr>
-          <a:xfrm rot="21326279">
-            <a:off x="-7650074" y="5436685"/>
-            <a:ext cx="24035614" cy="33612587"/>
+          <a:xfrm>
+            <a:off x="832265" y="8495095"/>
+            <a:ext cx="8775366" cy="13611678"/>
           </a:xfrm>
           <a:prstGeom prst="rect">
             <a:avLst/>
           </a:prstGeom>
         </p:spPr>
       </p:pic>
+      <p:sp>
+        <p:nvSpPr>
+          <p:cNvPr id="18" name="Rectangle 17">
+            <a:extLst>
+              <a:ext uri="{FF2B5EF4-FFF2-40B4-BE49-F238E27FC236}">
+                <a16:creationId xmlns:a16="http://schemas.microsoft.com/office/drawing/2014/main" id="{DD7FDA82-EEB4-D8F2-A3A0-E6949C2073DD}"/>
+              </a:ext>
+            </a:extLst>
+          </p:cNvPr>
+          <p:cNvSpPr/>
+          <p:nvPr/>
+        </p:nvSpPr>
+        <p:spPr>
+          <a:xfrm>
+            <a:off x="-7481" y="20795131"/>
+            <a:ext cx="14345754" cy="15305157"/>
+          </a:xfrm>
+          <a:prstGeom prst="rect">
+            <a:avLst/>
+          </a:prstGeom>
+          <a:solidFill>
+            <a:schemeClr val="bg1"/>
+          </a:solidFill>
+          <a:ln>
+            <a:noFill/>
+          </a:ln>
+        </p:spPr>
+        <p:style>
+          <a:lnRef idx="2">
+            <a:schemeClr val="accent1">
+              <a:shade val="15000"/>
+            </a:schemeClr>
+          </a:lnRef>
+          <a:fillRef idx="1">
+            <a:schemeClr val="accent1"/>
+          </a:fillRef>
+          <a:effectRef idx="0">
+            <a:schemeClr val="accent1"/>
+          </a:effectRef>
+          <a:fontRef idx="minor">
+            <a:schemeClr val="lt1"/>
+          </a:fontRef>
+        </p:style>
+        <p:txBody>
+          <a:bodyPr rtlCol="0" anchor="ctr"/>
+          <a:lstStyle/>
+          <a:p>
+            <a:pPr algn="ctr"/>
+            <a:endParaRPr lang="en-US"/>
+          </a:p>
+        </p:txBody>
+      </p:sp>
+      <p:sp>
+        <p:nvSpPr>
+          <p:cNvPr id="21" name="Freeform: Shape 20">
+            <a:extLst>
+              <a:ext uri="{FF2B5EF4-FFF2-40B4-BE49-F238E27FC236}">
+                <a16:creationId xmlns:a16="http://schemas.microsoft.com/office/drawing/2014/main" id="{974C0C3A-E019-4535-0CF2-F36EB1E3A317}"/>
+              </a:ext>
+            </a:extLst>
+          </p:cNvPr>
+          <p:cNvSpPr/>
+          <p:nvPr/>
+        </p:nvSpPr>
+        <p:spPr>
+          <a:xfrm>
+            <a:off x="15476332" y="22949651"/>
+            <a:ext cx="1158777" cy="1138068"/>
+          </a:xfrm>
+          <a:custGeom>
+            <a:avLst/>
+            <a:gdLst>
+              <a:gd name="connsiteX0" fmla="*/ 685800 w 1371600"/>
+              <a:gd name="connsiteY0" fmla="*/ 0 h 1371600"/>
+              <a:gd name="connsiteX1" fmla="*/ 1371600 w 1371600"/>
+              <a:gd name="connsiteY1" fmla="*/ 685800 h 1371600"/>
+              <a:gd name="connsiteX2" fmla="*/ 685800 w 1371600"/>
+              <a:gd name="connsiteY2" fmla="*/ 1371600 h 1371600"/>
+              <a:gd name="connsiteX3" fmla="*/ 679237 w 1371600"/>
+              <a:gd name="connsiteY3" fmla="*/ 1370939 h 1371600"/>
+              <a:gd name="connsiteX4" fmla="*/ 679237 w 1371600"/>
+              <a:gd name="connsiteY4" fmla="*/ 1128292 h 1371600"/>
+              <a:gd name="connsiteX5" fmla="*/ 677557 w 1371600"/>
+              <a:gd name="connsiteY5" fmla="*/ 1128292 h 1371600"/>
+              <a:gd name="connsiteX6" fmla="*/ 677557 w 1371600"/>
+              <a:gd name="connsiteY6" fmla="*/ 813932 h 1371600"/>
+              <a:gd name="connsiteX7" fmla="*/ 809197 w 1371600"/>
+              <a:gd name="connsiteY7" fmla="*/ 813932 h 1371600"/>
+              <a:gd name="connsiteX8" fmla="*/ 877992 w 1371600"/>
+              <a:gd name="connsiteY8" fmla="*/ 663962 h 1371600"/>
+              <a:gd name="connsiteX9" fmla="*/ 677557 w 1371600"/>
+              <a:gd name="connsiteY9" fmla="*/ 663962 h 1371600"/>
+              <a:gd name="connsiteX10" fmla="*/ 677557 w 1371600"/>
+              <a:gd name="connsiteY10" fmla="*/ 438024 h 1371600"/>
+              <a:gd name="connsiteX11" fmla="*/ 677060 w 1371600"/>
+              <a:gd name="connsiteY11" fmla="*/ 438024 h 1371600"/>
+              <a:gd name="connsiteX12" fmla="*/ 680069 w 1371600"/>
+              <a:gd name="connsiteY12" fmla="*/ 424477 h 1371600"/>
+              <a:gd name="connsiteX13" fmla="*/ 803425 w 1371600"/>
+              <a:gd name="connsiteY13" fmla="*/ 350145 h 1371600"/>
+              <a:gd name="connsiteX14" fmla="*/ 803425 w 1371600"/>
+              <a:gd name="connsiteY14" fmla="*/ 349601 h 1371600"/>
+              <a:gd name="connsiteX15" fmla="*/ 958412 w 1371600"/>
+              <a:gd name="connsiteY15" fmla="*/ 349601 h 1371600"/>
+              <a:gd name="connsiteX16" fmla="*/ 958412 w 1371600"/>
+              <a:gd name="connsiteY16" fmla="*/ 167585 h 1371600"/>
+              <a:gd name="connsiteX17" fmla="*/ 803425 w 1371600"/>
+              <a:gd name="connsiteY17" fmla="*/ 167585 h 1371600"/>
+              <a:gd name="connsiteX18" fmla="*/ 768066 w 1371600"/>
+              <a:gd name="connsiteY18" fmla="*/ 167585 h 1371600"/>
+              <a:gd name="connsiteX19" fmla="*/ 768066 w 1371600"/>
+              <a:gd name="connsiteY19" fmla="*/ 173210 h 1371600"/>
+              <a:gd name="connsiteX20" fmla="*/ 687363 w 1371600"/>
+              <a:gd name="connsiteY20" fmla="*/ 186047 h 1371600"/>
+              <a:gd name="connsiteX21" fmla="*/ 472729 w 1371600"/>
+              <a:gd name="connsiteY21" fmla="*/ 410531 h 1371600"/>
+              <a:gd name="connsiteX22" fmla="*/ 469654 w 1371600"/>
+              <a:gd name="connsiteY22" fmla="*/ 438024 h 1371600"/>
+              <a:gd name="connsiteX23" fmla="*/ 465871 w 1371600"/>
+              <a:gd name="connsiteY23" fmla="*/ 438024 h 1371600"/>
+              <a:gd name="connsiteX24" fmla="*/ 465871 w 1371600"/>
+              <a:gd name="connsiteY24" fmla="*/ 471852 h 1371600"/>
+              <a:gd name="connsiteX25" fmla="*/ 465871 w 1371600"/>
+              <a:gd name="connsiteY25" fmla="*/ 663962 h 1371600"/>
+              <a:gd name="connsiteX26" fmla="*/ 333440 w 1371600"/>
+              <a:gd name="connsiteY26" fmla="*/ 663962 h 1371600"/>
+              <a:gd name="connsiteX27" fmla="*/ 333440 w 1371600"/>
+              <a:gd name="connsiteY27" fmla="*/ 813932 h 1371600"/>
+              <a:gd name="connsiteX28" fmla="*/ 465871 w 1371600"/>
+              <a:gd name="connsiteY28" fmla="*/ 813932 h 1371600"/>
+              <a:gd name="connsiteX29" fmla="*/ 465871 w 1371600"/>
+              <a:gd name="connsiteY29" fmla="*/ 1128292 h 1371600"/>
+              <a:gd name="connsiteX30" fmla="*/ 465871 w 1371600"/>
+              <a:gd name="connsiteY30" fmla="*/ 1223747 h 1371600"/>
+              <a:gd name="connsiteX31" fmla="*/ 465871 w 1371600"/>
+              <a:gd name="connsiteY31" fmla="*/ 1332301 h 1371600"/>
+              <a:gd name="connsiteX32" fmla="*/ 418856 w 1371600"/>
+              <a:gd name="connsiteY32" fmla="*/ 1317707 h 1371600"/>
+              <a:gd name="connsiteX33" fmla="*/ 0 w 1371600"/>
+              <a:gd name="connsiteY33" fmla="*/ 685800 h 1371600"/>
+              <a:gd name="connsiteX34" fmla="*/ 685800 w 1371600"/>
+              <a:gd name="connsiteY34" fmla="*/ 0 h 1371600"/>
+            </a:gdLst>
+            <a:ahLst/>
+            <a:cxnLst>
+              <a:cxn ang="0">
+                <a:pos x="connsiteX0" y="connsiteY0"/>
+              </a:cxn>
+              <a:cxn ang="0">
+                <a:pos x="connsiteX1" y="connsiteY1"/>
+              </a:cxn>
+              <a:cxn ang="0">
+                <a:pos x="connsiteX2" y="connsiteY2"/>
+              </a:cxn>
+              <a:cxn ang="0">
+                <a:pos x="connsiteX3" y="connsiteY3"/>
+              </a:cxn>
+              <a:cxn ang="0">
+                <a:pos x="connsiteX4" y="connsiteY4"/>
+              </a:cxn>
+              <a:cxn ang="0">
+                <a:pos x="connsiteX5" y="connsiteY5"/>
+              </a:cxn>
+              <a:cxn ang="0">
+                <a:pos x="connsiteX6" y="connsiteY6"/>
+              </a:cxn>
+              <a:cxn ang="0">
+                <a:pos x="connsiteX7" y="connsiteY7"/>
+              </a:cxn>
+              <a:cxn ang="0">
+                <a:pos x="connsiteX8" y="connsiteY8"/>
+              </a:cxn>
+              <a:cxn ang="0">
+                <a:pos x="connsiteX9" y="connsiteY9"/>
+              </a:cxn>
+              <a:cxn ang="0">
+                <a:pos x="connsiteX10" y="connsiteY10"/>
+              </a:cxn>
+              <a:cxn ang="0">
+                <a:pos x="connsiteX11" y="connsiteY11"/>
+              </a:cxn>
+              <a:cxn ang="0">
+                <a:pos x="connsiteX12" y="connsiteY12"/>
+              </a:cxn>
+              <a:cxn ang="0">
+                <a:pos x="connsiteX13" y="connsiteY13"/>
+              </a:cxn>
+              <a:cxn ang="0">
+                <a:pos x="connsiteX14" y="connsiteY14"/>
+              </a:cxn>
+              <a:cxn ang="0">
+                <a:pos x="connsiteX15" y="connsiteY15"/>
+              </a:cxn>
+              <a:cxn ang="0">
+                <a:pos x="connsiteX16" y="connsiteY16"/>
+              </a:cxn>
+              <a:cxn ang="0">
+                <a:pos x="connsiteX17" y="connsiteY17"/>
+              </a:cxn>
+              <a:cxn ang="0">
+                <a:pos x="connsiteX18" y="connsiteY18"/>
+              </a:cxn>
+              <a:cxn ang="0">
+                <a:pos x="connsiteX19" y="connsiteY19"/>
+              </a:cxn>
+              <a:cxn ang="0">
+                <a:pos x="connsiteX20" y="connsiteY20"/>
+              </a:cxn>
+              <a:cxn ang="0">
+                <a:pos x="connsiteX21" y="connsiteY21"/>
+              </a:cxn>
+              <a:cxn ang="0">
+                <a:pos x="connsiteX22" y="connsiteY22"/>
+              </a:cxn>
+              <a:cxn ang="0">
+                <a:pos x="connsiteX23" y="connsiteY23"/>
+              </a:cxn>
+              <a:cxn ang="0">
+                <a:pos x="connsiteX24" y="connsiteY24"/>
+              </a:cxn>
+              <a:cxn ang="0">
+                <a:pos x="connsiteX25" y="connsiteY25"/>
+              </a:cxn>
+              <a:cxn ang="0">
+                <a:pos x="connsiteX26" y="connsiteY26"/>
+              </a:cxn>
+              <a:cxn ang="0">
+                <a:pos x="connsiteX27" y="connsiteY27"/>
+              </a:cxn>
+              <a:cxn ang="0">
+                <a:pos x="connsiteX28" y="connsiteY28"/>
+              </a:cxn>
+              <a:cxn ang="0">
+                <a:pos x="connsiteX29" y="connsiteY29"/>
+              </a:cxn>
+              <a:cxn ang="0">
+                <a:pos x="connsiteX30" y="connsiteY30"/>
+              </a:cxn>
+              <a:cxn ang="0">
+                <a:pos x="connsiteX31" y="connsiteY31"/>
+              </a:cxn>
+              <a:cxn ang="0">
+                <a:pos x="connsiteX32" y="connsiteY32"/>
+              </a:cxn>
+              <a:cxn ang="0">
+                <a:pos x="connsiteX33" y="connsiteY33"/>
+              </a:cxn>
+              <a:cxn ang="0">
+                <a:pos x="connsiteX34" y="connsiteY34"/>
+              </a:cxn>
+            </a:cxnLst>
+            <a:rect l="l" t="t" r="r" b="b"/>
+            <a:pathLst>
+              <a:path w="1371600" h="1371600">
+                <a:moveTo>
+                  <a:pt x="685800" y="0"/>
+                </a:moveTo>
+                <a:cubicBezTo>
+                  <a:pt x="1064557" y="0"/>
+                  <a:pt x="1371600" y="307043"/>
+                  <a:pt x="1371600" y="685800"/>
+                </a:cubicBezTo>
+                <a:cubicBezTo>
+                  <a:pt x="1371600" y="1064557"/>
+                  <a:pt x="1064557" y="1371600"/>
+                  <a:pt x="685800" y="1371600"/>
+                </a:cubicBezTo>
+                <a:lnTo>
+                  <a:pt x="679237" y="1370939"/>
+                </a:lnTo>
+                <a:lnTo>
+                  <a:pt x="679237" y="1128292"/>
+                </a:lnTo>
+                <a:lnTo>
+                  <a:pt x="677557" y="1128292"/>
+                </a:lnTo>
+                <a:lnTo>
+                  <a:pt x="677557" y="813932"/>
+                </a:lnTo>
+                <a:lnTo>
+                  <a:pt x="809197" y="813932"/>
+                </a:lnTo>
+                <a:lnTo>
+                  <a:pt x="877992" y="663962"/>
+                </a:lnTo>
+                <a:lnTo>
+                  <a:pt x="677557" y="663962"/>
+                </a:lnTo>
+                <a:lnTo>
+                  <a:pt x="677557" y="438024"/>
+                </a:lnTo>
+                <a:lnTo>
+                  <a:pt x="677060" y="438024"/>
+                </a:lnTo>
+                <a:lnTo>
+                  <a:pt x="680069" y="424477"/>
+                </a:lnTo>
+                <a:cubicBezTo>
+                  <a:pt x="700392" y="380795"/>
+                  <a:pt x="747971" y="350145"/>
+                  <a:pt x="803425" y="350145"/>
+                </a:cubicBezTo>
+                <a:lnTo>
+                  <a:pt x="803425" y="349601"/>
+                </a:lnTo>
+                <a:lnTo>
+                  <a:pt x="958412" y="349601"/>
+                </a:lnTo>
+                <a:lnTo>
+                  <a:pt x="958412" y="167585"/>
+                </a:lnTo>
+                <a:lnTo>
+                  <a:pt x="803425" y="167585"/>
+                </a:lnTo>
+                <a:lnTo>
+                  <a:pt x="768066" y="167585"/>
+                </a:lnTo>
+                <a:lnTo>
+                  <a:pt x="768066" y="173210"/>
+                </a:lnTo>
+                <a:lnTo>
+                  <a:pt x="687363" y="186047"/>
+                </a:lnTo>
+                <a:cubicBezTo>
+                  <a:pt x="578794" y="221881"/>
+                  <a:pt x="496336" y="306544"/>
+                  <a:pt x="472729" y="410531"/>
+                </a:cubicBezTo>
+                <a:lnTo>
+                  <a:pt x="469654" y="438024"/>
+                </a:lnTo>
+                <a:lnTo>
+                  <a:pt x="465871" y="438024"/>
+                </a:lnTo>
+                <a:lnTo>
+                  <a:pt x="465871" y="471852"/>
+                </a:lnTo>
+                <a:lnTo>
+                  <a:pt x="465871" y="663962"/>
+                </a:lnTo>
+                <a:lnTo>
+                  <a:pt x="333440" y="663962"/>
+                </a:lnTo>
+                <a:lnTo>
+                  <a:pt x="333440" y="813932"/>
+                </a:lnTo>
+                <a:lnTo>
+                  <a:pt x="465871" y="813932"/>
+                </a:lnTo>
+                <a:lnTo>
+                  <a:pt x="465871" y="1128292"/>
+                </a:lnTo>
+                <a:lnTo>
+                  <a:pt x="465871" y="1223747"/>
+                </a:lnTo>
+                <a:lnTo>
+                  <a:pt x="465871" y="1332301"/>
+                </a:lnTo>
+                <a:lnTo>
+                  <a:pt x="418856" y="1317707"/>
+                </a:lnTo>
+                <a:cubicBezTo>
+                  <a:pt x="172712" y="1213597"/>
+                  <a:pt x="0" y="969868"/>
+                  <a:pt x="0" y="685800"/>
+                </a:cubicBezTo>
+                <a:cubicBezTo>
+                  <a:pt x="0" y="307043"/>
+                  <a:pt x="307043" y="0"/>
+                  <a:pt x="685800" y="0"/>
+                </a:cubicBezTo>
+                <a:close/>
+              </a:path>
+            </a:pathLst>
+          </a:custGeom>
+          <a:solidFill>
+            <a:srgbClr val="0066FF"/>
+          </a:solidFill>
+          <a:ln>
+            <a:noFill/>
+          </a:ln>
+        </p:spPr>
+        <p:style>
+          <a:lnRef idx="2">
+            <a:schemeClr val="accent1">
+              <a:shade val="15000"/>
+            </a:schemeClr>
+          </a:lnRef>
+          <a:fillRef idx="1">
+            <a:schemeClr val="accent1"/>
+          </a:fillRef>
+          <a:effectRef idx="0">
+            <a:schemeClr val="accent1"/>
+          </a:effectRef>
+          <a:fontRef idx="minor">
+            <a:schemeClr val="lt1"/>
+          </a:fontRef>
+        </p:style>
+        <p:txBody>
+          <a:bodyPr wrap="square" rtlCol="0" anchor="ctr">
+            <a:noAutofit/>
+          </a:bodyPr>
+          <a:lstStyle/>
+          <a:p>
+            <a:pPr algn="ctr"/>
+            <a:endParaRPr lang="en-US"/>
+          </a:p>
+        </p:txBody>
+      </p:sp>
       <p:pic>
         <p:nvPicPr>
-          <p:cNvPr id="29" name="Picture 28">
+          <p:cNvPr id="24" name="Picture 23">
             <a:extLst>
               <a:ext uri="{FF2B5EF4-FFF2-40B4-BE49-F238E27FC236}">
-                <a16:creationId xmlns:a16="http://schemas.microsoft.com/office/drawing/2014/main" id="{A622DD28-862B-63BF-DF65-1EC2D878807E}"/>
+                <a16:creationId xmlns:a16="http://schemas.microsoft.com/office/drawing/2014/main" id="{032D990B-26D3-DE87-ECA6-B3466AD2AD27}"/>
               </a:ext>
             </a:extLst>
           </p:cNvPr>
@@ -3600,72 +4033,20 @@
         </p:blipFill>
         <p:spPr>
           <a:xfrm>
-            <a:off x="6940" y="21216088"/>
-            <a:ext cx="11973003" cy="2881411"/>
+            <a:off x="-7481" y="21639749"/>
+            <a:ext cx="14452339" cy="2243968"/>
           </a:xfrm>
           <a:prstGeom prst="rect">
             <a:avLst/>
           </a:prstGeom>
         </p:spPr>
       </p:pic>
-      <p:sp>
-        <p:nvSpPr>
-          <p:cNvPr id="22" name="Rectangle 21">
+      <p:pic>
+        <p:nvPicPr>
+          <p:cNvPr id="26" name="Picture 25">
             <a:extLst>
               <a:ext uri="{FF2B5EF4-FFF2-40B4-BE49-F238E27FC236}">
-                <a16:creationId xmlns:a16="http://schemas.microsoft.com/office/drawing/2014/main" id="{BF1947EF-B294-98B3-67D8-8C8A26F971AF}"/>
-              </a:ext>
-            </a:extLst>
-          </p:cNvPr>
-          <p:cNvSpPr/>
-          <p:nvPr/>
-        </p:nvSpPr>
-        <p:spPr>
-          <a:xfrm>
-            <a:off x="-7481" y="24723566"/>
-            <a:ext cx="8750428" cy="11347514"/>
-          </a:xfrm>
-          <a:prstGeom prst="rect">
-            <a:avLst/>
-          </a:prstGeom>
-          <a:solidFill>
-            <a:schemeClr val="bg1"/>
-          </a:solidFill>
-          <a:ln>
-            <a:noFill/>
-          </a:ln>
-        </p:spPr>
-        <p:style>
-          <a:lnRef idx="2">
-            <a:schemeClr val="accent1">
-              <a:shade val="15000"/>
-            </a:schemeClr>
-          </a:lnRef>
-          <a:fillRef idx="1">
-            <a:schemeClr val="accent1"/>
-          </a:fillRef>
-          <a:effectRef idx="0">
-            <a:schemeClr val="accent1"/>
-          </a:effectRef>
-          <a:fontRef idx="minor">
-            <a:schemeClr val="lt1"/>
-          </a:fontRef>
-        </p:style>
-        <p:txBody>
-          <a:bodyPr rtlCol="0" anchor="ctr"/>
-          <a:lstStyle/>
-          <a:p>
-            <a:pPr algn="ctr"/>
-            <a:endParaRPr lang="en-US"/>
-          </a:p>
-        </p:txBody>
-      </p:sp>
-      <p:pic>
-        <p:nvPicPr>
-          <p:cNvPr id="31" name="Picture 30">
-            <a:extLst>
-              <a:ext uri="{FF2B5EF4-FFF2-40B4-BE49-F238E27FC236}">
-                <a16:creationId xmlns:a16="http://schemas.microsoft.com/office/drawing/2014/main" id="{E43E14B3-49BF-2BFE-5BE3-B58E9F8EDE18}"/>
+                <a16:creationId xmlns:a16="http://schemas.microsoft.com/office/drawing/2014/main" id="{9F56CEF9-F8E0-5F6B-1E79-83D9DBD092B3}"/>
               </a:ext>
             </a:extLst>
           </p:cNvPr>
@@ -3675,27 +4056,80 @@
           <p:nvPr/>
         </p:nvPicPr>
         <p:blipFill>
-          <a:blip r:embed="rId11"/>
+          <a:blip r:embed="rId4">
+            <a:extLst>
+              <a:ext uri="{28A0092B-C50C-407E-A947-70E740481C1C}">
+                <a14:useLocalDpi xmlns:a14="http://schemas.microsoft.com/office/drawing/2010/main" val="0"/>
+              </a:ext>
+            </a:extLst>
+          </a:blip>
           <a:stretch>
             <a:fillRect/>
           </a:stretch>
         </p:blipFill>
         <p:spPr>
           <a:xfrm>
-            <a:off x="271460" y="24736123"/>
-            <a:ext cx="11655065" cy="1809644"/>
+            <a:off x="11413492" y="22951082"/>
+            <a:ext cx="1186611" cy="1121788"/>
           </a:xfrm>
           <a:prstGeom prst="rect">
             <a:avLst/>
           </a:prstGeom>
         </p:spPr>
       </p:pic>
-      <p:sp>
-        <p:nvSpPr>
-          <p:cNvPr id="49" name="TextBox 48">
+      <p:pic>
+        <p:nvPicPr>
+          <p:cNvPr id="32" name="Picture 10" descr="New Instagram Logo PNG Images 2023">
             <a:extLst>
               <a:ext uri="{FF2B5EF4-FFF2-40B4-BE49-F238E27FC236}">
-                <a16:creationId xmlns:a16="http://schemas.microsoft.com/office/drawing/2014/main" id="{A78A26A3-6E03-D16E-D6B2-4CE07FC77059}"/>
+                <a16:creationId xmlns:a16="http://schemas.microsoft.com/office/drawing/2014/main" id="{5995C116-AD85-8609-E877-48349E8EC3DB}"/>
+              </a:ext>
+            </a:extLst>
+          </p:cNvPr>
+          <p:cNvPicPr>
+            <a:picLocks noChangeAspect="1" noChangeArrowheads="1"/>
+          </p:cNvPicPr>
+          <p:nvPr/>
+        </p:nvPicPr>
+        <p:blipFill>
+          <a:blip r:embed="rId11" cstate="print">
+            <a:extLst>
+              <a:ext uri="{28A0092B-C50C-407E-A947-70E740481C1C}">
+                <a14:useLocalDpi xmlns:a14="http://schemas.microsoft.com/office/drawing/2010/main" val="0"/>
+              </a:ext>
+            </a:extLst>
+          </a:blip>
+          <a:srcRect/>
+          <a:stretch>
+            <a:fillRect/>
+          </a:stretch>
+        </p:blipFill>
+        <p:spPr bwMode="auto">
+          <a:xfrm>
+            <a:off x="13552683" y="22986892"/>
+            <a:ext cx="1111715" cy="1111715"/>
+          </a:xfrm>
+          <a:prstGeom prst="rect">
+            <a:avLst/>
+          </a:prstGeom>
+          <a:noFill/>
+          <a:extLst>
+            <a:ext uri="{909E8E84-426E-40DD-AFC4-6F175D3DCCD1}">
+              <a14:hiddenFill xmlns:a14="http://schemas.microsoft.com/office/drawing/2010/main">
+                <a:solidFill>
+                  <a:srgbClr val="FFFFFF"/>
+                </a:solidFill>
+              </a14:hiddenFill>
+            </a:ext>
+          </a:extLst>
+        </p:spPr>
+      </p:pic>
+      <p:sp>
+        <p:nvSpPr>
+          <p:cNvPr id="34" name="TextBox 33">
+            <a:extLst>
+              <a:ext uri="{FF2B5EF4-FFF2-40B4-BE49-F238E27FC236}">
+                <a16:creationId xmlns:a16="http://schemas.microsoft.com/office/drawing/2014/main" id="{AC05EC48-730C-A3F5-1F24-77C751FAB13F}"/>
               </a:ext>
             </a:extLst>
           </p:cNvPr>
@@ -3704,8 +4138,8 @@
         </p:nvSpPr>
         <p:spPr>
           <a:xfrm>
-            <a:off x="6938" y="26801458"/>
-            <a:ext cx="17677269" cy="1446550"/>
+            <a:off x="-61502" y="35650276"/>
+            <a:ext cx="25603742" cy="2492990"/>
           </a:xfrm>
           <a:prstGeom prst="rect">
             <a:avLst/>
@@ -3720,29 +4154,69 @@
           <a:p>
             <a:pPr algn="ctr"/>
             <a:r>
-              <a:rPr lang="en-US" sz="4400" b="1" cap="small" dirty="0">
+              <a:rPr lang="en-US" sz="5200" b="1" cap="small" dirty="0">
                 <a:latin typeface="Oxygen" panose="02000503000000000000" pitchFamily="2" charset="0"/>
               </a:rPr>
-              <a:t>Finest Teachers, Study Materials, Mock Tests, Doubt Clearing</a:t>
+              <a:t>Finest Teachers, Study Materials, Mock Tests, Doubt Clearing, PTM, Counselling</a:t>
             </a:r>
           </a:p>
           <a:p>
             <a:pPr algn="ctr"/>
             <a:r>
-              <a:rPr lang="en-US" sz="4400" b="1" cap="small" dirty="0">
+              <a:rPr lang="en-US" sz="5200" b="1" cap="small" dirty="0">
                 <a:latin typeface="Oxygen" panose="02000503000000000000" pitchFamily="2" charset="0"/>
               </a:rPr>
-              <a:t>PTM, Counselling, 400+ Courses, 20 Smart Classrooms, AC, CCTV</a:t>
-            </a:r>
-          </a:p>
-        </p:txBody>
-      </p:sp>
-      <p:sp>
-        <p:nvSpPr>
-          <p:cNvPr id="2" name="TextBox 1">
+              <a:t>400+ Courses, 20 Smart Classrooms, CCTV</a:t>
+            </a:r>
+          </a:p>
+          <a:p>
+            <a:pPr algn="ctr"/>
+            <a:r>
+              <a:rPr lang="en-US" sz="5200" b="1" cap="small" dirty="0">
+                <a:latin typeface="Oxygen" panose="02000503000000000000" pitchFamily="2" charset="0"/>
+              </a:rPr>
+              <a:t>Professional Courses are Proj-Based, Certification Oriented &amp; Career Focused</a:t>
+            </a:r>
+            <a:endParaRPr lang="en-US" sz="5200" dirty="0"/>
+          </a:p>
+        </p:txBody>
+      </p:sp>
+      <p:pic>
+        <p:nvPicPr>
+          <p:cNvPr id="35" name="Picture 34">
             <a:extLst>
               <a:ext uri="{FF2B5EF4-FFF2-40B4-BE49-F238E27FC236}">
-                <a16:creationId xmlns:a16="http://schemas.microsoft.com/office/drawing/2014/main" id="{ED4C7DE8-1071-DAC9-4D66-339208A1898F}"/>
+                <a16:creationId xmlns:a16="http://schemas.microsoft.com/office/drawing/2014/main" id="{656B24A5-C15E-DBD7-FD55-3BC19BFCCB18}"/>
+              </a:ext>
+            </a:extLst>
+          </p:cNvPr>
+          <p:cNvPicPr>
+            <a:picLocks noChangeAspect="1"/>
+          </p:cNvPicPr>
+          <p:nvPr/>
+        </p:nvPicPr>
+        <p:blipFill>
+          <a:blip r:embed="rId12"/>
+          <a:stretch>
+            <a:fillRect/>
+          </a:stretch>
+        </p:blipFill>
+        <p:spPr>
+          <a:xfrm>
+            <a:off x="6939" y="18904996"/>
+            <a:ext cx="11265477" cy="2710296"/>
+          </a:xfrm>
+          <a:prstGeom prst="rect">
+            <a:avLst/>
+          </a:prstGeom>
+        </p:spPr>
+      </p:pic>
+      <p:sp>
+        <p:nvSpPr>
+          <p:cNvPr id="36" name="TextBox 35">
+            <a:extLst>
+              <a:ext uri="{FF2B5EF4-FFF2-40B4-BE49-F238E27FC236}">
+                <a16:creationId xmlns:a16="http://schemas.microsoft.com/office/drawing/2014/main" id="{CE25836F-0717-DCFE-6FC4-4B61938B0470}"/>
               </a:ext>
             </a:extLst>
           </p:cNvPr>
@@ -3751,8 +4225,8 @@
         </p:nvSpPr>
         <p:spPr>
           <a:xfrm>
-            <a:off x="-30279" y="28124678"/>
-            <a:ext cx="25589322" cy="9994083"/>
+            <a:off x="-61501" y="24363300"/>
+            <a:ext cx="25681044" cy="10940559"/>
           </a:xfrm>
           <a:prstGeom prst="rect">
             <a:avLst/>
@@ -3771,13 +4245,13 @@
               </a:lnSpc>
             </a:pPr>
             <a:r>
-              <a:rPr lang="en-US" sz="8800" b="1" cap="small" dirty="0">
+              <a:rPr lang="en-US" sz="8000" b="1" cap="small" dirty="0">
                 <a:solidFill>
                   <a:srgbClr val="C00000"/>
                 </a:solidFill>
                 <a:latin typeface="Oxygen" panose="02000503000000000000" pitchFamily="2" charset="0"/>
               </a:rPr>
-              <a:t>AI &amp; IT for Schools Students &amp; Professionals</a:t>
+              <a:t>ARTIFICIAL INTELLIGENCE – Class III – XII</a:t>
             </a:r>
           </a:p>
           <a:p>
@@ -3787,7 +4261,23 @@
               </a:lnSpc>
             </a:pPr>
             <a:r>
-              <a:rPr lang="en-US" sz="8800" b="1" cap="small" dirty="0">
+              <a:rPr lang="en-US" sz="8000" b="1" cap="small" dirty="0">
+                <a:solidFill>
+                  <a:srgbClr val="C00000"/>
+                </a:solidFill>
+                <a:latin typeface="Oxygen" panose="02000503000000000000" pitchFamily="2" charset="0"/>
+              </a:rPr>
+              <a:t>IT &amp; AI Professional Training &amp; Projects</a:t>
+            </a:r>
+          </a:p>
+          <a:p>
+            <a:pPr algn="ctr">
+              <a:lnSpc>
+                <a:spcPct val="150000"/>
+              </a:lnSpc>
+            </a:pPr>
+            <a:r>
+              <a:rPr lang="en-US" sz="8000" b="1" cap="small" dirty="0">
                 <a:solidFill>
                   <a:srgbClr val="C00000"/>
                 </a:solidFill>
@@ -3803,7 +4293,7 @@
               </a:lnSpc>
             </a:pPr>
             <a:r>
-              <a:rPr lang="en-US" sz="8800" b="1" cap="small" dirty="0">
+              <a:rPr lang="en-US" sz="8000" b="1" cap="small" dirty="0">
                 <a:solidFill>
                   <a:srgbClr val="C00000"/>
                 </a:solidFill>
@@ -3819,7 +4309,7 @@
               </a:lnSpc>
             </a:pPr>
             <a:r>
-              <a:rPr lang="en-US" sz="8800" b="1" cap="small" dirty="0">
+              <a:rPr lang="en-US" sz="8000" b="1" cap="small" dirty="0">
                 <a:solidFill>
                   <a:srgbClr val="C00000"/>
                 </a:solidFill>
@@ -3835,7 +4325,7 @@
               </a:lnSpc>
             </a:pPr>
             <a:r>
-              <a:rPr lang="en-US" sz="8800" b="1" cap="small" dirty="0">
+              <a:rPr lang="en-US" sz="8000" b="1" cap="small" dirty="0">
                 <a:solidFill>
                   <a:srgbClr val="C00000"/>
                 </a:solidFill>
@@ -3852,6 +4342,53 @@
           </a:p>
         </p:txBody>
       </p:sp>
+      <p:pic>
+        <p:nvPicPr>
+          <p:cNvPr id="23" name="Picture 2" descr="Download Google Play Icon Royalty-Free Vector Graphic - Pixabay">
+            <a:extLst>
+              <a:ext uri="{FF2B5EF4-FFF2-40B4-BE49-F238E27FC236}">
+                <a16:creationId xmlns:a16="http://schemas.microsoft.com/office/drawing/2014/main" id="{F0BD14D2-0015-7CBF-AC29-6AB79903BFCD}"/>
+              </a:ext>
+            </a:extLst>
+          </p:cNvPr>
+          <p:cNvPicPr>
+            <a:picLocks noChangeAspect="1" noChangeArrowheads="1"/>
+          </p:cNvPicPr>
+          <p:nvPr/>
+        </p:nvPicPr>
+        <p:blipFill>
+          <a:blip r:embed="rId13">
+            <a:extLst>
+              <a:ext uri="{28A0092B-C50C-407E-A947-70E740481C1C}">
+                <a14:useLocalDpi xmlns:a14="http://schemas.microsoft.com/office/drawing/2010/main" val="0"/>
+              </a:ext>
+            </a:extLst>
+          </a:blip>
+          <a:srcRect/>
+          <a:stretch>
+            <a:fillRect/>
+          </a:stretch>
+        </p:blipFill>
+        <p:spPr bwMode="auto">
+          <a:xfrm>
+            <a:off x="9767967" y="23005306"/>
+            <a:ext cx="891518" cy="999715"/>
+          </a:xfrm>
+          <a:prstGeom prst="rect">
+            <a:avLst/>
+          </a:prstGeom>
+          <a:noFill/>
+          <a:extLst>
+            <a:ext uri="{909E8E84-426E-40DD-AFC4-6F175D3DCCD1}">
+              <a14:hiddenFill xmlns:a14="http://schemas.microsoft.com/office/drawing/2010/main">
+                <a:solidFill>
+                  <a:srgbClr val="FFFFFF"/>
+                </a:solidFill>
+              </a14:hiddenFill>
+            </a:ext>
+          </a:extLst>
+        </p:spPr>
+      </p:pic>
     </p:spTree>
     <p:extLst>
       <p:ext uri="{BB962C8B-B14F-4D97-AF65-F5344CB8AC3E}">
@@ -3884,10 +4421,10 @@
       </p:grpSpPr>
       <p:pic>
         <p:nvPicPr>
-          <p:cNvPr id="4" name="Picture 3">
+          <p:cNvPr id="2" name="Picture 1">
             <a:extLst>
               <a:ext uri="{FF2B5EF4-FFF2-40B4-BE49-F238E27FC236}">
-                <a16:creationId xmlns:a16="http://schemas.microsoft.com/office/drawing/2014/main" id="{63E5B9F4-C828-452F-C751-5F9AF64C2AE9}"/>
+                <a16:creationId xmlns:a16="http://schemas.microsoft.com/office/drawing/2014/main" id="{C322D4EF-B682-D16A-4120-B1CFA1273FD2}"/>
               </a:ext>
             </a:extLst>
           </p:cNvPr>
@@ -3904,8 +4441,8 @@
         </p:blipFill>
         <p:spPr>
           <a:xfrm>
-            <a:off x="6940" y="-1086"/>
-            <a:ext cx="25603743" cy="24718388"/>
+            <a:off x="6939" y="-4579"/>
+            <a:ext cx="25603742" cy="24718388"/>
           </a:xfrm>
           <a:prstGeom prst="rect">
             <a:avLst/>
@@ -3914,10 +4451,10 @@
       </p:pic>
       <p:pic>
         <p:nvPicPr>
-          <p:cNvPr id="27" name="Picture 26">
+          <p:cNvPr id="4" name="Picture 3">
             <a:extLst>
               <a:ext uri="{FF2B5EF4-FFF2-40B4-BE49-F238E27FC236}">
-                <a16:creationId xmlns:a16="http://schemas.microsoft.com/office/drawing/2014/main" id="{630F8093-DFCD-9C8F-163E-96E19BF8676A}"/>
+                <a16:creationId xmlns:a16="http://schemas.microsoft.com/office/drawing/2014/main" id="{7BF6B21D-CB2F-F78D-D040-7273CBB9985A}"/>
               </a:ext>
             </a:extLst>
           </p:cNvPr>
@@ -3940,7 +4477,7 @@
         </p:blipFill>
         <p:spPr>
           <a:xfrm>
-            <a:off x="12590210" y="11192204"/>
+            <a:off x="12599071" y="7932190"/>
             <a:ext cx="13006052" cy="19304211"/>
           </a:xfrm>
           <a:prstGeom prst="rect">
@@ -3950,10 +4487,10 @@
       </p:pic>
       <p:pic>
         <p:nvPicPr>
-          <p:cNvPr id="13" name="Picture 12">
+          <p:cNvPr id="5" name="Picture 4">
             <a:extLst>
               <a:ext uri="{FF2B5EF4-FFF2-40B4-BE49-F238E27FC236}">
-                <a16:creationId xmlns:a16="http://schemas.microsoft.com/office/drawing/2014/main" id="{0B8D66B7-B7EF-A10E-ACF6-180961A64482}"/>
+                <a16:creationId xmlns:a16="http://schemas.microsoft.com/office/drawing/2014/main" id="{630F3DB8-E5BE-ACA5-173E-B1CAE665ED90}"/>
               </a:ext>
             </a:extLst>
           </p:cNvPr>
@@ -3975,21 +4512,109 @@
           </a:stretch>
         </p:blipFill>
         <p:spPr>
-          <a:xfrm>
-            <a:off x="3237715" y="533851"/>
-            <a:ext cx="19106561" cy="9280333"/>
+          <a:xfrm rot="21440353">
+            <a:off x="14522874" y="16214797"/>
+            <a:ext cx="1197356" cy="1131942"/>
           </a:xfrm>
           <a:prstGeom prst="rect">
             <a:avLst/>
           </a:prstGeom>
         </p:spPr>
       </p:pic>
-      <p:sp>
-        <p:nvSpPr>
-          <p:cNvPr id="39" name="TextBox 38">
+      <p:pic>
+        <p:nvPicPr>
+          <p:cNvPr id="13" name="Picture 12">
             <a:extLst>
               <a:ext uri="{FF2B5EF4-FFF2-40B4-BE49-F238E27FC236}">
-                <a16:creationId xmlns:a16="http://schemas.microsoft.com/office/drawing/2014/main" id="{F71474C8-D56F-A009-1E43-209F024854AC}"/>
+                <a16:creationId xmlns:a16="http://schemas.microsoft.com/office/drawing/2014/main" id="{2B88235F-5A58-2DB2-C2FD-09FBA1F3D828}"/>
+              </a:ext>
+            </a:extLst>
+          </p:cNvPr>
+          <p:cNvPicPr>
+            <a:picLocks noChangeAspect="1"/>
+          </p:cNvPicPr>
+          <p:nvPr/>
+        </p:nvPicPr>
+        <p:blipFill>
+          <a:blip r:embed="rId5">
+            <a:extLst>
+              <a:ext uri="{28A0092B-C50C-407E-A947-70E740481C1C}">
+                <a14:useLocalDpi xmlns:a14="http://schemas.microsoft.com/office/drawing/2010/main" val="0"/>
+              </a:ext>
+            </a:extLst>
+          </a:blip>
+          <a:stretch>
+            <a:fillRect/>
+          </a:stretch>
+        </p:blipFill>
+        <p:spPr>
+          <a:xfrm>
+            <a:off x="7398417" y="770599"/>
+            <a:ext cx="10785155" cy="5238505"/>
+          </a:xfrm>
+          <a:prstGeom prst="rect">
+            <a:avLst/>
+          </a:prstGeom>
+        </p:spPr>
+      </p:pic>
+      <p:sp>
+        <p:nvSpPr>
+          <p:cNvPr id="17" name="Rectangle 16">
+            <a:extLst>
+              <a:ext uri="{FF2B5EF4-FFF2-40B4-BE49-F238E27FC236}">
+                <a16:creationId xmlns:a16="http://schemas.microsoft.com/office/drawing/2014/main" id="{2877C8DC-1C5B-4395-6D2F-97D2F68D7A78}"/>
+              </a:ext>
+            </a:extLst>
+          </p:cNvPr>
+          <p:cNvSpPr/>
+          <p:nvPr/>
+        </p:nvSpPr>
+        <p:spPr>
+          <a:xfrm>
+            <a:off x="-7481" y="20795131"/>
+            <a:ext cx="14345754" cy="15305157"/>
+          </a:xfrm>
+          <a:prstGeom prst="rect">
+            <a:avLst/>
+          </a:prstGeom>
+          <a:solidFill>
+            <a:schemeClr val="bg1"/>
+          </a:solidFill>
+          <a:ln>
+            <a:noFill/>
+          </a:ln>
+        </p:spPr>
+        <p:style>
+          <a:lnRef idx="2">
+            <a:schemeClr val="accent1">
+              <a:shade val="15000"/>
+            </a:schemeClr>
+          </a:lnRef>
+          <a:fillRef idx="1">
+            <a:schemeClr val="accent1"/>
+          </a:fillRef>
+          <a:effectRef idx="0">
+            <a:schemeClr val="accent1"/>
+          </a:effectRef>
+          <a:fontRef idx="minor">
+            <a:schemeClr val="lt1"/>
+          </a:fontRef>
+        </p:style>
+        <p:txBody>
+          <a:bodyPr rtlCol="0" anchor="ctr"/>
+          <a:lstStyle/>
+          <a:p>
+            <a:pPr algn="ctr"/>
+            <a:endParaRPr lang="en-US"/>
+          </a:p>
+        </p:txBody>
+      </p:sp>
+      <p:sp>
+        <p:nvSpPr>
+          <p:cNvPr id="29" name="TextBox 28">
+            <a:extLst>
+              <a:ext uri="{FF2B5EF4-FFF2-40B4-BE49-F238E27FC236}">
+                <a16:creationId xmlns:a16="http://schemas.microsoft.com/office/drawing/2014/main" id="{6C98B616-45E4-5052-A285-15AC250E474C}"/>
               </a:ext>
             </a:extLst>
           </p:cNvPr>
@@ -3998,8 +4623,8 @@
         </p:nvSpPr>
         <p:spPr>
           <a:xfrm>
-            <a:off x="3298482" y="11489992"/>
-            <a:ext cx="19106561" cy="1938992"/>
+            <a:off x="2943605" y="6080286"/>
+            <a:ext cx="18552642" cy="1446550"/>
           </a:xfrm>
           <a:prstGeom prst="rect">
             <a:avLst/>
@@ -4007,12 +4632,227 @@
           <a:noFill/>
         </p:spPr>
         <p:txBody>
+          <a:bodyPr wrap="square" rtlCol="0">
+            <a:spAutoFit/>
+          </a:bodyPr>
+          <a:lstStyle/>
+          <a:p>
+            <a:pPr algn="ctr"/>
+            <a:r>
+              <a:rPr lang="en-US" sz="8800" b="1" cap="small" dirty="0">
+                <a:ln w="6600">
+                  <a:solidFill>
+                    <a:srgbClr val="C00000"/>
+                  </a:solidFill>
+                  <a:prstDash val="solid"/>
+                </a:ln>
+                <a:solidFill>
+                  <a:srgbClr val="C00000"/>
+                </a:solidFill>
+                <a:effectLst>
+                  <a:glow>
+                    <a:srgbClr val="C00000">
+                      <a:alpha val="40000"/>
+                    </a:srgbClr>
+                  </a:glow>
+                  <a:outerShdw dist="38100" dir="5400000" sy="-20000" rotWithShape="0">
+                    <a:prstClr val="black">
+                      <a:alpha val="0"/>
+                    </a:prstClr>
+                  </a:outerShdw>
+                </a:effectLst>
+                <a:latin typeface="Oxygen" panose="02000503000000000000" pitchFamily="2" charset="0"/>
+              </a:rPr>
+              <a:t>Artificial Intelligence &amp; IT Training</a:t>
+            </a:r>
+            <a:endParaRPr lang="en-AU" sz="8800" b="1" cap="small" dirty="0">
+              <a:ln w="6600">
+                <a:solidFill>
+                  <a:srgbClr val="C00000"/>
+                </a:solidFill>
+                <a:prstDash val="solid"/>
+              </a:ln>
+              <a:solidFill>
+                <a:srgbClr val="C00000"/>
+              </a:solidFill>
+              <a:effectLst>
+                <a:glow>
+                  <a:srgbClr val="C00000">
+                    <a:alpha val="40000"/>
+                  </a:srgbClr>
+                </a:glow>
+                <a:outerShdw dist="38100" dir="5400000" sy="-20000" rotWithShape="0">
+                  <a:prstClr val="black">
+                    <a:alpha val="0"/>
+                  </a:prstClr>
+                </a:outerShdw>
+              </a:effectLst>
+              <a:latin typeface="Oxygen" panose="02000503000000000000" pitchFamily="2" charset="0"/>
+            </a:endParaRPr>
+          </a:p>
+        </p:txBody>
+      </p:sp>
+      <p:sp>
+        <p:nvSpPr>
+          <p:cNvPr id="30" name="TextBox 29">
+            <a:extLst>
+              <a:ext uri="{FF2B5EF4-FFF2-40B4-BE49-F238E27FC236}">
+                <a16:creationId xmlns:a16="http://schemas.microsoft.com/office/drawing/2014/main" id="{0F9E6889-0175-6AE5-361D-8C447C15AC8F}"/>
+              </a:ext>
+            </a:extLst>
+          </p:cNvPr>
+          <p:cNvSpPr txBox="1"/>
+          <p:nvPr/>
+        </p:nvSpPr>
+        <p:spPr>
+          <a:xfrm>
+            <a:off x="749149" y="7717944"/>
+            <a:ext cx="17399501" cy="923330"/>
+          </a:xfrm>
+          <a:prstGeom prst="rect">
+            <a:avLst/>
+          </a:prstGeom>
+          <a:noFill/>
+        </p:spPr>
+        <p:txBody>
           <a:bodyPr wrap="square">
             <a:spAutoFit/>
           </a:bodyPr>
           <a:lstStyle/>
           <a:p>
-            <a:pPr algn="ctr"/>
+            <a:r>
+              <a:rPr lang="en-US" sz="5400" b="1" cap="small" dirty="0">
+                <a:ln w="6600">
+                  <a:solidFill>
+                    <a:srgbClr val="C00000"/>
+                  </a:solidFill>
+                  <a:prstDash val="solid"/>
+                </a:ln>
+                <a:solidFill>
+                  <a:srgbClr val="C00000"/>
+                </a:solidFill>
+                <a:effectLst>
+                  <a:glow>
+                    <a:srgbClr val="C00000">
+                      <a:alpha val="40000"/>
+                    </a:srgbClr>
+                  </a:glow>
+                  <a:outerShdw dist="38100" dir="5400000" sy="-20000" rotWithShape="0">
+                    <a:prstClr val="black">
+                      <a:alpha val="0"/>
+                    </a:prstClr>
+                  </a:outerShdw>
+                </a:effectLst>
+                <a:latin typeface="Oxygen" panose="02000503000000000000" pitchFamily="2" charset="0"/>
+              </a:rPr>
+              <a:t>N-1/25 Patuli, Kol 94, Near Fire Brigade &amp; Krisi Vikas</a:t>
+            </a:r>
+            <a:endParaRPr lang="en-US" sz="6600" b="1" cap="small" dirty="0">
+              <a:ln w="6600">
+                <a:solidFill>
+                  <a:srgbClr val="C00000"/>
+                </a:solidFill>
+                <a:prstDash val="solid"/>
+              </a:ln>
+              <a:solidFill>
+                <a:srgbClr val="C00000"/>
+              </a:solidFill>
+              <a:effectLst>
+                <a:glow>
+                  <a:srgbClr val="C00000">
+                    <a:alpha val="40000"/>
+                  </a:srgbClr>
+                </a:glow>
+                <a:outerShdw dist="38100" dir="5400000" sy="-20000" rotWithShape="0">
+                  <a:prstClr val="black">
+                    <a:alpha val="0"/>
+                  </a:prstClr>
+                </a:outerShdw>
+              </a:effectLst>
+              <a:latin typeface="Oxygen" panose="02000503000000000000" pitchFamily="2" charset="0"/>
+            </a:endParaRPr>
+          </a:p>
+        </p:txBody>
+      </p:sp>
+      <p:pic>
+        <p:nvPicPr>
+          <p:cNvPr id="31" name="Picture 14" descr="Whatsapp Icon PNGs for Free Download">
+            <a:extLst>
+              <a:ext uri="{FF2B5EF4-FFF2-40B4-BE49-F238E27FC236}">
+                <a16:creationId xmlns:a16="http://schemas.microsoft.com/office/drawing/2014/main" id="{7D9C61A5-D2E9-A682-0DF7-58BC0A8FBA5C}"/>
+              </a:ext>
+            </a:extLst>
+          </p:cNvPr>
+          <p:cNvPicPr>
+            <a:picLocks noChangeAspect="1" noChangeArrowheads="1"/>
+          </p:cNvPicPr>
+          <p:nvPr/>
+        </p:nvPicPr>
+        <p:blipFill>
+          <a:blip r:embed="rId6" cstate="print">
+            <a:extLst>
+              <a:ext uri="{28A0092B-C50C-407E-A947-70E740481C1C}">
+                <a14:useLocalDpi xmlns:a14="http://schemas.microsoft.com/office/drawing/2010/main" val="0"/>
+              </a:ext>
+            </a:extLst>
+          </a:blip>
+          <a:srcRect/>
+          <a:stretch>
+            <a:fillRect/>
+          </a:stretch>
+        </p:blipFill>
+        <p:spPr bwMode="auto">
+          <a:xfrm>
+            <a:off x="23880971" y="7655874"/>
+            <a:ext cx="1046991" cy="1046991"/>
+          </a:xfrm>
+          <a:prstGeom prst="rect">
+            <a:avLst/>
+          </a:prstGeom>
+          <a:noFill/>
+          <a:extLst>
+            <a:ext uri="{909E8E84-426E-40DD-AFC4-6F175D3DCCD1}">
+              <a14:hiddenFill xmlns:a14="http://schemas.microsoft.com/office/drawing/2010/main">
+                <a:solidFill>
+                  <a:srgbClr val="FFFFFF"/>
+                </a:solidFill>
+              </a14:hiddenFill>
+            </a:ext>
+          </a:extLst>
+        </p:spPr>
+      </p:pic>
+      <p:sp>
+        <p:nvSpPr>
+          <p:cNvPr id="33" name="Rectangle 32">
+            <a:extLst>
+              <a:ext uri="{FF2B5EF4-FFF2-40B4-BE49-F238E27FC236}">
+                <a16:creationId xmlns:a16="http://schemas.microsoft.com/office/drawing/2014/main" id="{D3A94BDB-6B55-BE25-F679-A1DEC1C61306}"/>
+              </a:ext>
+            </a:extLst>
+          </p:cNvPr>
+          <p:cNvSpPr/>
+          <p:nvPr/>
+        </p:nvSpPr>
+        <p:spPr>
+          <a:xfrm>
+            <a:off x="18890860" y="7357221"/>
+            <a:ext cx="4984553" cy="1303562"/>
+          </a:xfrm>
+          <a:prstGeom prst="rect">
+            <a:avLst/>
+          </a:prstGeom>
+        </p:spPr>
+        <p:txBody>
+          <a:bodyPr wrap="square">
+            <a:spAutoFit/>
+          </a:bodyPr>
+          <a:lstStyle/>
+          <a:p>
+            <a:pPr algn="ctr">
+              <a:lnSpc>
+                <a:spcPct val="150000"/>
+              </a:lnSpc>
+            </a:pPr>
             <a:r>
               <a:rPr lang="en-US" sz="6000" b="1" cap="small" dirty="0">
                 <a:ln w="6600">
@@ -4038,47 +4878,41 @@
                 </a:effectLst>
                 <a:latin typeface="Oxygen" panose="02000503000000000000" pitchFamily="2" charset="0"/>
               </a:rPr>
-              <a:t>N-1/25 Patuli, Kol 94</a:t>
-            </a:r>
-          </a:p>
-          <a:p>
-            <a:pPr algn="ctr"/>
-            <a:r>
-              <a:rPr lang="en-US" sz="6000" b="1" cap="small" dirty="0">
-                <a:ln w="6600">
-                  <a:solidFill>
-                    <a:srgbClr val="C00000"/>
-                  </a:solidFill>
-                  <a:prstDash val="solid"/>
-                </a:ln>
+              <a:t>9073 700094</a:t>
+            </a:r>
+            <a:endParaRPr lang="en-AU" sz="6000" b="1" cap="small" dirty="0">
+              <a:ln w="6600">
                 <a:solidFill>
                   <a:srgbClr val="C00000"/>
                 </a:solidFill>
-                <a:effectLst>
-                  <a:glow>
-                    <a:srgbClr val="C00000">
-                      <a:alpha val="40000"/>
-                    </a:srgbClr>
-                  </a:glow>
-                  <a:outerShdw dist="38100" dir="5400000" sy="-20000" rotWithShape="0">
-                    <a:prstClr val="black">
-                      <a:alpha val="0"/>
-                    </a:prstClr>
-                  </a:outerShdw>
-                </a:effectLst>
-                <a:latin typeface="Oxygen" panose="02000503000000000000" pitchFamily="2" charset="0"/>
-              </a:rPr>
-              <a:t>Near Fire Brigade &amp; Krisi Vikas</a:t>
-            </a:r>
+                <a:prstDash val="solid"/>
+              </a:ln>
+              <a:solidFill>
+                <a:srgbClr val="C00000"/>
+              </a:solidFill>
+              <a:effectLst>
+                <a:glow>
+                  <a:srgbClr val="C00000">
+                    <a:alpha val="40000"/>
+                  </a:srgbClr>
+                </a:glow>
+                <a:outerShdw dist="38100" dir="5400000" sy="-20000" rotWithShape="0">
+                  <a:prstClr val="black">
+                    <a:alpha val="0"/>
+                  </a:prstClr>
+                </a:outerShdw>
+              </a:effectLst>
+              <a:latin typeface="Oxygen" panose="02000503000000000000" pitchFamily="2" charset="0"/>
+            </a:endParaRPr>
           </a:p>
         </p:txBody>
       </p:sp>
       <p:pic>
         <p:nvPicPr>
-          <p:cNvPr id="40" name="Picture 14" descr="Whatsapp Icon PNGs for Free Download">
+          <p:cNvPr id="37" name="Picture 18" descr="Page 2 | Phone Icon Png Images - Free Download on Freepik">
             <a:extLst>
               <a:ext uri="{FF2B5EF4-FFF2-40B4-BE49-F238E27FC236}">
-                <a16:creationId xmlns:a16="http://schemas.microsoft.com/office/drawing/2014/main" id="{4614A863-72B5-6D79-5611-3F749E580A6C}"/>
+                <a16:creationId xmlns:a16="http://schemas.microsoft.com/office/drawing/2014/main" id="{F0B9064A-2507-D820-FFEA-C34946224B4A}"/>
               </a:ext>
             </a:extLst>
           </p:cNvPr>
@@ -4088,7 +4922,7 @@
           <p:nvPr/>
         </p:nvPicPr>
         <p:blipFill>
-          <a:blip r:embed="rId5" cstate="print">
+          <a:blip r:embed="rId7" cstate="print">
             <a:extLst>
               <a:ext uri="{28A0092B-C50C-407E-A947-70E740481C1C}">
                 <a14:useLocalDpi xmlns:a14="http://schemas.microsoft.com/office/drawing/2010/main" val="0"/>
@@ -4102,8 +4936,8 @@
         </p:blipFill>
         <p:spPr bwMode="auto">
           <a:xfrm>
-            <a:off x="16384427" y="13635879"/>
-            <a:ext cx="1046991" cy="1046991"/>
+            <a:off x="17928472" y="7701349"/>
+            <a:ext cx="964851" cy="964851"/>
           </a:xfrm>
           <a:prstGeom prst="rect">
             <a:avLst/>
@@ -4122,10 +4956,206 @@
       </p:pic>
       <p:sp>
         <p:nvSpPr>
-          <p:cNvPr id="41" name="Rectangle 40">
+          <p:cNvPr id="40" name="TextBox 39">
             <a:extLst>
               <a:ext uri="{FF2B5EF4-FFF2-40B4-BE49-F238E27FC236}">
-                <a16:creationId xmlns:a16="http://schemas.microsoft.com/office/drawing/2014/main" id="{F9D8F186-43FC-19CD-B884-5AEC7E1E6390}"/>
+                <a16:creationId xmlns:a16="http://schemas.microsoft.com/office/drawing/2014/main" id="{8C9C24A8-5FCC-B9FE-BBC7-3DC61618FD24}"/>
+              </a:ext>
+            </a:extLst>
+          </p:cNvPr>
+          <p:cNvSpPr txBox="1"/>
+          <p:nvPr/>
+        </p:nvSpPr>
+        <p:spPr>
+          <a:xfrm>
+            <a:off x="1" y="24738504"/>
+            <a:ext cx="25625100" cy="10926068"/>
+          </a:xfrm>
+          <a:prstGeom prst="rect">
+            <a:avLst/>
+          </a:prstGeom>
+          <a:noFill/>
+        </p:spPr>
+        <p:txBody>
+          <a:bodyPr wrap="square">
+            <a:spAutoFit/>
+          </a:bodyPr>
+          <a:lstStyle/>
+          <a:p>
+            <a:pPr algn="ctr">
+              <a:lnSpc>
+                <a:spcPct val="150000"/>
+              </a:lnSpc>
+            </a:pPr>
+            <a:r>
+              <a:rPr lang="en-US" sz="9600" b="1" cap="small" dirty="0">
+                <a:solidFill>
+                  <a:srgbClr val="C00000"/>
+                </a:solidFill>
+                <a:latin typeface="Oxygen" panose="02000503000000000000" pitchFamily="2" charset="0"/>
+              </a:rPr>
+              <a:t>AI, IoT-Robotics, Coding – Class III-XII</a:t>
+            </a:r>
+          </a:p>
+          <a:p>
+            <a:pPr algn="ctr">
+              <a:lnSpc>
+                <a:spcPct val="150000"/>
+              </a:lnSpc>
+            </a:pPr>
+            <a:r>
+              <a:rPr lang="en-US" sz="9600" b="1" cap="small" dirty="0">
+                <a:solidFill>
+                  <a:srgbClr val="C00000"/>
+                </a:solidFill>
+                <a:latin typeface="Oxygen" panose="02000503000000000000" pitchFamily="2" charset="0"/>
+              </a:rPr>
+              <a:t>IT &amp; AI Professional Training &amp; Projects</a:t>
+            </a:r>
+          </a:p>
+          <a:p>
+            <a:pPr algn="ctr"/>
+            <a:endParaRPr lang="en-US" sz="2000" b="1" cap="small" dirty="0">
+              <a:solidFill>
+                <a:srgbClr val="C00000"/>
+              </a:solidFill>
+              <a:latin typeface="Oxygen" panose="02000503000000000000" pitchFamily="2" charset="0"/>
+            </a:endParaRPr>
+          </a:p>
+          <a:p>
+            <a:pPr algn="ctr"/>
+            <a:r>
+              <a:rPr lang="en-US" sz="6600" b="1" cap="small" dirty="0">
+                <a:solidFill>
+                  <a:srgbClr val="C00000"/>
+                </a:solidFill>
+                <a:latin typeface="Oxygen" panose="02000503000000000000" pitchFamily="2" charset="0"/>
+              </a:rPr>
+              <a:t>Data Science, Computer Vision, NLP, DSP, Python</a:t>
+            </a:r>
+          </a:p>
+          <a:p>
+            <a:pPr algn="ctr"/>
+            <a:r>
+              <a:rPr lang="en-US" sz="6600" b="1" cap="small" dirty="0">
+                <a:solidFill>
+                  <a:srgbClr val="C00000"/>
+                </a:solidFill>
+                <a:latin typeface="Oxygen" panose="02000503000000000000" pitchFamily="2" charset="0"/>
+              </a:rPr>
+              <a:t>Data Analytics, C, C++, IoT, Robotics</a:t>
+            </a:r>
+          </a:p>
+          <a:p>
+            <a:pPr algn="ctr"/>
+            <a:r>
+              <a:rPr lang="en-US" sz="6600" b="1" cap="small" dirty="0">
+                <a:solidFill>
+                  <a:srgbClr val="C00000"/>
+                </a:solidFill>
+                <a:latin typeface="Oxygen" panose="02000503000000000000" pitchFamily="2" charset="0"/>
+              </a:rPr>
+              <a:t>Java, .NET, JavaScript, ReactJS, Native, PHP</a:t>
+            </a:r>
+          </a:p>
+          <a:p>
+            <a:pPr algn="ctr"/>
+            <a:r>
+              <a:rPr lang="en-US" sz="6600" b="1" cap="small" dirty="0">
+                <a:solidFill>
+                  <a:srgbClr val="C00000"/>
+                </a:solidFill>
+                <a:latin typeface="Oxygen" panose="02000503000000000000" pitchFamily="2" charset="0"/>
+              </a:rPr>
+              <a:t>DevOps, Docker, Kubernetes, Cloud</a:t>
+            </a:r>
+          </a:p>
+          <a:p>
+            <a:pPr algn="ctr"/>
+            <a:r>
+              <a:rPr lang="en-US" sz="6600" b="1" cap="small" dirty="0">
+                <a:solidFill>
+                  <a:srgbClr val="C00000"/>
+                </a:solidFill>
+                <a:latin typeface="Oxygen" panose="02000503000000000000" pitchFamily="2" charset="0"/>
+              </a:rPr>
+              <a:t>Database, Firebase, Cyber Sec, Automation Test</a:t>
+            </a:r>
+          </a:p>
+          <a:p>
+            <a:pPr algn="ctr"/>
+            <a:r>
+              <a:rPr lang="en-US" sz="6600" b="1" cap="small" dirty="0">
+                <a:solidFill>
+                  <a:srgbClr val="C00000"/>
+                </a:solidFill>
+                <a:latin typeface="Oxygen" panose="02000503000000000000" pitchFamily="2" charset="0"/>
+              </a:rPr>
+              <a:t>Pmp, Agile, Office, Adv Excel, Tally, Html, Css</a:t>
+            </a:r>
+            <a:endParaRPr lang="en-US" sz="6000" b="1" cap="small" dirty="0">
+              <a:solidFill>
+                <a:srgbClr val="C00000"/>
+              </a:solidFill>
+              <a:latin typeface="Oxygen" panose="02000503000000000000" pitchFamily="2" charset="0"/>
+            </a:endParaRPr>
+          </a:p>
+        </p:txBody>
+      </p:sp>
+      <p:sp>
+        <p:nvSpPr>
+          <p:cNvPr id="56" name="TextBox 55">
+            <a:extLst>
+              <a:ext uri="{FF2B5EF4-FFF2-40B4-BE49-F238E27FC236}">
+                <a16:creationId xmlns:a16="http://schemas.microsoft.com/office/drawing/2014/main" id="{F103B4AC-5902-8A18-5D90-2BFE652374D3}"/>
+              </a:ext>
+            </a:extLst>
+          </p:cNvPr>
+          <p:cNvSpPr txBox="1"/>
+          <p:nvPr/>
+        </p:nvSpPr>
+        <p:spPr>
+          <a:xfrm>
+            <a:off x="-61502" y="36396229"/>
+            <a:ext cx="25603742" cy="1692771"/>
+          </a:xfrm>
+          <a:prstGeom prst="rect">
+            <a:avLst/>
+          </a:prstGeom>
+          <a:noFill/>
+        </p:spPr>
+        <p:txBody>
+          <a:bodyPr wrap="square">
+            <a:spAutoFit/>
+          </a:bodyPr>
+          <a:lstStyle/>
+          <a:p>
+            <a:pPr algn="ctr"/>
+            <a:r>
+              <a:rPr lang="en-US" sz="5200" b="1" cap="small" dirty="0">
+                <a:latin typeface="Oxygen" panose="02000503000000000000" pitchFamily="2" charset="0"/>
+              </a:rPr>
+              <a:t>Globally experienced faculty from prestigious organizations, fun &amp; easy learning</a:t>
+            </a:r>
+          </a:p>
+          <a:p>
+            <a:pPr algn="ctr"/>
+            <a:r>
+              <a:rPr lang="en-US" sz="5200" b="1" cap="small" dirty="0">
+                <a:latin typeface="Oxygen" panose="02000503000000000000" pitchFamily="2" charset="0"/>
+              </a:rPr>
+              <a:t>Project based, Career Focused, Certification Help, Smart Classrooms, AC, CCTV</a:t>
+            </a:r>
+            <a:endParaRPr lang="en-US" sz="5200" dirty="0"/>
+          </a:p>
+        </p:txBody>
+      </p:sp>
+      <p:sp>
+        <p:nvSpPr>
+          <p:cNvPr id="7" name="32-Point Star 20">
+            <a:extLst>
+              <a:ext uri="{FF2B5EF4-FFF2-40B4-BE49-F238E27FC236}">
+                <a16:creationId xmlns:a16="http://schemas.microsoft.com/office/drawing/2014/main" id="{353C5180-70CD-6E3C-501D-20EFBA0A1202}"/>
               </a:ext>
             </a:extLst>
           </p:cNvPr>
@@ -4133,74 +5163,113 @@
           <p:nvPr/>
         </p:nvSpPr>
         <p:spPr>
-          <a:xfrm>
-            <a:off x="8307462" y="13052524"/>
-            <a:ext cx="8984380" cy="1707262"/>
-          </a:xfrm>
-          <a:prstGeom prst="rect">
+          <a:xfrm rot="21243013">
+            <a:off x="7756438" y="9049687"/>
+            <a:ext cx="10815524" cy="6012258"/>
+          </a:xfrm>
+          <a:prstGeom prst="star32">
             <a:avLst/>
           </a:prstGeom>
-        </p:spPr>
-        <p:txBody>
-          <a:bodyPr wrap="square">
-            <a:spAutoFit/>
-          </a:bodyPr>
-          <a:lstStyle/>
-          <a:p>
-            <a:pPr algn="ctr">
-              <a:lnSpc>
-                <a:spcPct val="150000"/>
-              </a:lnSpc>
-            </a:pPr>
-            <a:r>
-              <a:rPr lang="en-US" sz="8000" b="1" cap="small" dirty="0">
-                <a:ln w="6600">
-                  <a:solidFill>
-                    <a:srgbClr val="C00000"/>
-                  </a:solidFill>
-                  <a:prstDash val="solid"/>
-                </a:ln>
+          <a:solidFill>
+            <a:srgbClr val="FF0000"/>
+          </a:solidFill>
+          <a:ln w="254000">
+            <a:solidFill>
+              <a:srgbClr val="0066FF"/>
+            </a:solidFill>
+          </a:ln>
+        </p:spPr>
+        <p:style>
+          <a:lnRef idx="2">
+            <a:schemeClr val="accent1">
+              <a:shade val="50000"/>
+            </a:schemeClr>
+          </a:lnRef>
+          <a:fillRef idx="1">
+            <a:schemeClr val="accent1"/>
+          </a:fillRef>
+          <a:effectRef idx="0">
+            <a:schemeClr val="accent1"/>
+          </a:effectRef>
+          <a:fontRef idx="minor">
+            <a:schemeClr val="lt1"/>
+          </a:fontRef>
+        </p:style>
+        <p:txBody>
+          <a:bodyPr rtlCol="0" anchor="ctr"/>
+          <a:lstStyle/>
+          <a:p>
+            <a:pPr algn="ctr"/>
+            <a:r>
+              <a:rPr lang="en-US" sz="4400" b="1" cap="small" dirty="0">
                 <a:solidFill>
-                  <a:srgbClr val="C00000"/>
+                  <a:schemeClr val="bg1"/>
                 </a:solidFill>
-                <a:effectLst>
-                  <a:glow rad="63500">
-                    <a:srgbClr val="C00000">
-                      <a:alpha val="40000"/>
-                    </a:srgbClr>
-                  </a:glow>
-                  <a:outerShdw dist="38100" dir="5400000" sy="-20000" rotWithShape="0">
-                    <a:prstClr val="black">
-                      <a:alpha val="0"/>
-                    </a:prstClr>
-                  </a:outerShdw>
-                </a:effectLst>
                 <a:latin typeface="Oxygen" panose="02000503000000000000" pitchFamily="2" charset="0"/>
               </a:rPr>
-              <a:t>9073 700094</a:t>
-            </a:r>
-            <a:endParaRPr lang="en-AU" sz="8000" b="1" cap="small" dirty="0">
-              <a:ln w="6600">
+              <a:t>Upto</a:t>
+            </a:r>
+            <a:r>
+              <a:rPr lang="en-US" sz="3200" b="1" cap="small" dirty="0">
                 <a:solidFill>
-                  <a:srgbClr val="C00000"/>
+                  <a:schemeClr val="bg1"/>
                 </a:solidFill>
-                <a:prstDash val="solid"/>
-              </a:ln>
+                <a:latin typeface="Oxygen" panose="02000503000000000000" pitchFamily="2" charset="0"/>
+              </a:rPr>
+              <a:t> </a:t>
+            </a:r>
+            <a:r>
+              <a:rPr lang="en-US" sz="11600" b="1" cap="small" dirty="0">
+                <a:solidFill>
+                  <a:schemeClr val="bg1"/>
+                </a:solidFill>
+                <a:latin typeface="Oxygen" panose="02000503000000000000" pitchFamily="2" charset="0"/>
+              </a:rPr>
+              <a:t>50%</a:t>
+            </a:r>
+            <a:r>
+              <a:rPr lang="en-US" sz="3200" b="1" cap="small" dirty="0">
+                <a:solidFill>
+                  <a:schemeClr val="bg1"/>
+                </a:solidFill>
+                <a:latin typeface="Oxygen" panose="02000503000000000000" pitchFamily="2" charset="0"/>
+              </a:rPr>
+              <a:t> </a:t>
+            </a:r>
+            <a:r>
+              <a:rPr lang="en-US" sz="4400" b="1" cap="small" dirty="0">
+                <a:solidFill>
+                  <a:schemeClr val="bg1"/>
+                </a:solidFill>
+                <a:latin typeface="Oxygen" panose="02000503000000000000" pitchFamily="2" charset="0"/>
+              </a:rPr>
+              <a:t>Off</a:t>
+            </a:r>
+            <a:r>
+              <a:rPr lang="en-US" sz="6000" b="1" cap="small" dirty="0">
+                <a:solidFill>
+                  <a:schemeClr val="bg1"/>
+                </a:solidFill>
+                <a:latin typeface="Oxygen" panose="02000503000000000000" pitchFamily="2" charset="0"/>
+              </a:rPr>
+              <a:t> </a:t>
+            </a:r>
+          </a:p>
+          <a:p>
+            <a:pPr algn="ctr"/>
+            <a:r>
+              <a:rPr lang="en-US" sz="4400" b="1" cap="small" dirty="0">
+                <a:solidFill>
+                  <a:schemeClr val="bg1"/>
+                </a:solidFill>
+                <a:latin typeface="Oxygen" panose="02000503000000000000" pitchFamily="2" charset="0"/>
+              </a:rPr>
+              <a:t>T&amp;C Apply</a:t>
+            </a:r>
+            <a:endParaRPr lang="en-US" sz="2800" b="1" cap="small" dirty="0">
               <a:solidFill>
-                <a:srgbClr val="C00000"/>
+                <a:schemeClr val="bg1"/>
               </a:solidFill>
-              <a:effectLst>
-                <a:glow rad="63500">
-                  <a:srgbClr val="C00000">
-                    <a:alpha val="40000"/>
-                  </a:srgbClr>
-                </a:glow>
-                <a:outerShdw dist="38100" dir="5400000" sy="-20000" rotWithShape="0">
-                  <a:prstClr val="black">
-                    <a:alpha val="0"/>
-                  </a:prstClr>
-                </a:outerShdw>
-              </a:effectLst>
               <a:latin typeface="Oxygen" panose="02000503000000000000" pitchFamily="2" charset="0"/>
             </a:endParaRPr>
           </a:p>
@@ -4208,116 +5277,10 @@
       </p:sp>
       <p:pic>
         <p:nvPicPr>
-          <p:cNvPr id="42" name="Picture 18" descr="Page 2 | Phone Icon Png Images - Free Download on Freepik">
+          <p:cNvPr id="8" name="Picture 7">
             <a:extLst>
               <a:ext uri="{FF2B5EF4-FFF2-40B4-BE49-F238E27FC236}">
-                <a16:creationId xmlns:a16="http://schemas.microsoft.com/office/drawing/2014/main" id="{0AE7602C-AB89-8DF9-830B-C813846C2C66}"/>
-              </a:ext>
-            </a:extLst>
-          </p:cNvPr>
-          <p:cNvPicPr>
-            <a:picLocks noChangeAspect="1" noChangeArrowheads="1"/>
-          </p:cNvPicPr>
-          <p:nvPr/>
-        </p:nvPicPr>
-        <p:blipFill>
-          <a:blip r:embed="rId6" cstate="print">
-            <a:extLst>
-              <a:ext uri="{28A0092B-C50C-407E-A947-70E740481C1C}">
-                <a14:useLocalDpi xmlns:a14="http://schemas.microsoft.com/office/drawing/2010/main" val="0"/>
-              </a:ext>
-            </a:extLst>
-          </a:blip>
-          <a:srcRect/>
-          <a:stretch>
-            <a:fillRect/>
-          </a:stretch>
-        </p:blipFill>
-        <p:spPr bwMode="auto">
-          <a:xfrm>
-            <a:off x="8406250" y="13609731"/>
-            <a:ext cx="964851" cy="964851"/>
-          </a:xfrm>
-          <a:prstGeom prst="rect">
-            <a:avLst/>
-          </a:prstGeom>
-          <a:noFill/>
-          <a:extLst>
-            <a:ext uri="{909E8E84-426E-40DD-AFC4-6F175D3DCCD1}">
-              <a14:hiddenFill xmlns:a14="http://schemas.microsoft.com/office/drawing/2010/main">
-                <a:solidFill>
-                  <a:srgbClr val="FFFFFF"/>
-                </a:solidFill>
-              </a14:hiddenFill>
-            </a:ext>
-          </a:extLst>
-        </p:spPr>
-      </p:pic>
-      <p:sp>
-        <p:nvSpPr>
-          <p:cNvPr id="3" name="TextBox 2">
-            <a:extLst>
-              <a:ext uri="{FF2B5EF4-FFF2-40B4-BE49-F238E27FC236}">
-                <a16:creationId xmlns:a16="http://schemas.microsoft.com/office/drawing/2014/main" id="{C8E5D79E-9D08-2548-4F0B-DDA06A2DBD1F}"/>
-              </a:ext>
-            </a:extLst>
-          </p:cNvPr>
-          <p:cNvSpPr txBox="1"/>
-          <p:nvPr/>
-        </p:nvSpPr>
-        <p:spPr>
-          <a:xfrm>
-            <a:off x="2827245" y="10112516"/>
-            <a:ext cx="19577796" cy="1323439"/>
-          </a:xfrm>
-          <a:prstGeom prst="rect">
-            <a:avLst/>
-          </a:prstGeom>
-          <a:noFill/>
-        </p:spPr>
-        <p:txBody>
-          <a:bodyPr wrap="square" rtlCol="0">
-            <a:spAutoFit/>
-          </a:bodyPr>
-          <a:lstStyle/>
-          <a:p>
-            <a:pPr algn="ctr"/>
-            <a:r>
-              <a:rPr lang="en-US" sz="8000" b="1" cap="small" dirty="0">
-                <a:ln w="6600">
-                  <a:solidFill>
-                    <a:srgbClr val="C00000"/>
-                  </a:solidFill>
-                  <a:prstDash val="solid"/>
-                </a:ln>
-                <a:solidFill>
-                  <a:srgbClr val="C00000"/>
-                </a:solidFill>
-                <a:effectLst>
-                  <a:glow rad="63500">
-                    <a:srgbClr val="C00000">
-                      <a:alpha val="40000"/>
-                    </a:srgbClr>
-                  </a:glow>
-                  <a:outerShdw dist="38100" dir="5400000" sy="-20000" rotWithShape="0">
-                    <a:prstClr val="black">
-                      <a:alpha val="0"/>
-                    </a:prstClr>
-                  </a:outerShdw>
-                </a:effectLst>
-                <a:latin typeface="Oxygen" panose="02000503000000000000" pitchFamily="2" charset="0"/>
-              </a:rPr>
-              <a:t>Artificial Intelligence</a:t>
-            </a:r>
-          </a:p>
-        </p:txBody>
-      </p:sp>
-      <p:pic>
-        <p:nvPicPr>
-          <p:cNvPr id="10" name="Picture 9">
-            <a:extLst>
-              <a:ext uri="{FF2B5EF4-FFF2-40B4-BE49-F238E27FC236}">
-                <a16:creationId xmlns:a16="http://schemas.microsoft.com/office/drawing/2014/main" id="{27AEA0E6-AFA8-3AF8-6E68-4C7CD1F8BB73}"/>
+                <a16:creationId xmlns:a16="http://schemas.microsoft.com/office/drawing/2014/main" id="{C4A77169-AC56-AB43-9631-4BB21B19CCB0}"/>
               </a:ext>
             </a:extLst>
           </p:cNvPr>
@@ -4327,17 +5290,8 @@
           <p:nvPr/>
         </p:nvPicPr>
         <p:blipFill>
-          <a:blip r:embed="rId7">
+          <a:blip r:embed="rId8">
             <a:extLst>
-              <a:ext uri="{BEBA8EAE-BF5A-486C-A8C5-ECC9F3942E4B}">
-                <a14:imgProps xmlns:a14="http://schemas.microsoft.com/office/drawing/2010/main">
-                  <a14:imgLayer r:embed="rId8">
-                    <a14:imgEffect>
-                      <a14:brightnessContrast bright="20000" contrast="16000"/>
-                    </a14:imgEffect>
-                  </a14:imgLayer>
-                </a14:imgProps>
-              </a:ext>
               <a:ext uri="{28A0092B-C50C-407E-A947-70E740481C1C}">
                 <a14:useLocalDpi xmlns:a14="http://schemas.microsoft.com/office/drawing/2010/main" val="0"/>
               </a:ext>
@@ -4349,8 +5303,8 @@
         </p:blipFill>
         <p:spPr>
           <a:xfrm>
-            <a:off x="-901541" y="9850626"/>
-            <a:ext cx="15662123" cy="20834599"/>
+            <a:off x="129737" y="9170408"/>
+            <a:ext cx="10567652" cy="13672954"/>
           </a:xfrm>
           <a:prstGeom prst="rect">
             <a:avLst/>
@@ -4359,10 +5313,10 @@
       </p:pic>
       <p:pic>
         <p:nvPicPr>
-          <p:cNvPr id="17" name="Picture 16">
+          <p:cNvPr id="10" name="Picture 9">
             <a:extLst>
               <a:ext uri="{FF2B5EF4-FFF2-40B4-BE49-F238E27FC236}">
-                <a16:creationId xmlns:a16="http://schemas.microsoft.com/office/drawing/2014/main" id="{2A88CD58-A345-2D82-B535-B54DF3C15F5C}"/>
+                <a16:creationId xmlns:a16="http://schemas.microsoft.com/office/drawing/2014/main" id="{4B32CE77-D232-2641-0170-DCCCE4AB9D74}"/>
               </a:ext>
             </a:extLst>
           </p:cNvPr>
@@ -4384,21 +5338,57 @@
           </a:stretch>
         </p:blipFill>
         <p:spPr>
-          <a:xfrm rot="21440353">
-            <a:off x="14509810" y="19450439"/>
-            <a:ext cx="1197356" cy="1131943"/>
+          <a:xfrm>
+            <a:off x="80013" y="13779409"/>
+            <a:ext cx="5163468" cy="7374615"/>
           </a:xfrm>
           <a:prstGeom prst="rect">
             <a:avLst/>
           </a:prstGeom>
         </p:spPr>
       </p:pic>
-      <p:sp>
-        <p:nvSpPr>
-          <p:cNvPr id="11" name="Rectangle 10">
+      <p:pic>
+        <p:nvPicPr>
+          <p:cNvPr id="43" name="Picture 42">
             <a:extLst>
               <a:ext uri="{FF2B5EF4-FFF2-40B4-BE49-F238E27FC236}">
-                <a16:creationId xmlns:a16="http://schemas.microsoft.com/office/drawing/2014/main" id="{119463C9-234E-E885-5699-32205E3F5A37}"/>
+                <a16:creationId xmlns:a16="http://schemas.microsoft.com/office/drawing/2014/main" id="{E7E3CB50-7EE3-90DE-E8F3-1EF01F3EC072}"/>
+              </a:ext>
+            </a:extLst>
+          </p:cNvPr>
+          <p:cNvPicPr>
+            <a:picLocks noChangeAspect="1"/>
+          </p:cNvPicPr>
+          <p:nvPr/>
+        </p:nvPicPr>
+        <p:blipFill>
+          <a:blip r:embed="rId10">
+            <a:extLst>
+              <a:ext uri="{28A0092B-C50C-407E-A947-70E740481C1C}">
+                <a14:useLocalDpi xmlns:a14="http://schemas.microsoft.com/office/drawing/2010/main" val="0"/>
+              </a:ext>
+            </a:extLst>
+          </a:blip>
+          <a:stretch>
+            <a:fillRect/>
+          </a:stretch>
+        </p:blipFill>
+        <p:spPr>
+          <a:xfrm>
+            <a:off x="4143301" y="13680601"/>
+            <a:ext cx="9862786" cy="7209396"/>
+          </a:xfrm>
+          <a:prstGeom prst="rect">
+            <a:avLst/>
+          </a:prstGeom>
+        </p:spPr>
+      </p:pic>
+      <p:sp>
+        <p:nvSpPr>
+          <p:cNvPr id="50" name="Freeform: Shape 49">
+            <a:extLst>
+              <a:ext uri="{FF2B5EF4-FFF2-40B4-BE49-F238E27FC236}">
+                <a16:creationId xmlns:a16="http://schemas.microsoft.com/office/drawing/2014/main" id="{B2344841-DABD-B59A-A6DC-6FBC271B51E4}"/>
               </a:ext>
             </a:extLst>
           </p:cNvPr>
@@ -4407,14 +5397,317 @@
         </p:nvSpPr>
         <p:spPr>
           <a:xfrm>
-            <a:off x="-5774" y="24048350"/>
-            <a:ext cx="13938341" cy="9835339"/>
-          </a:xfrm>
-          <a:prstGeom prst="rect">
+            <a:off x="15476332" y="22949651"/>
+            <a:ext cx="1158777" cy="1138068"/>
+          </a:xfrm>
+          <a:custGeom>
             <a:avLst/>
-          </a:prstGeom>
+            <a:gdLst>
+              <a:gd name="connsiteX0" fmla="*/ 685800 w 1371600"/>
+              <a:gd name="connsiteY0" fmla="*/ 0 h 1371600"/>
+              <a:gd name="connsiteX1" fmla="*/ 1371600 w 1371600"/>
+              <a:gd name="connsiteY1" fmla="*/ 685800 h 1371600"/>
+              <a:gd name="connsiteX2" fmla="*/ 685800 w 1371600"/>
+              <a:gd name="connsiteY2" fmla="*/ 1371600 h 1371600"/>
+              <a:gd name="connsiteX3" fmla="*/ 679237 w 1371600"/>
+              <a:gd name="connsiteY3" fmla="*/ 1370939 h 1371600"/>
+              <a:gd name="connsiteX4" fmla="*/ 679237 w 1371600"/>
+              <a:gd name="connsiteY4" fmla="*/ 1128292 h 1371600"/>
+              <a:gd name="connsiteX5" fmla="*/ 677557 w 1371600"/>
+              <a:gd name="connsiteY5" fmla="*/ 1128292 h 1371600"/>
+              <a:gd name="connsiteX6" fmla="*/ 677557 w 1371600"/>
+              <a:gd name="connsiteY6" fmla="*/ 813932 h 1371600"/>
+              <a:gd name="connsiteX7" fmla="*/ 809197 w 1371600"/>
+              <a:gd name="connsiteY7" fmla="*/ 813932 h 1371600"/>
+              <a:gd name="connsiteX8" fmla="*/ 877992 w 1371600"/>
+              <a:gd name="connsiteY8" fmla="*/ 663962 h 1371600"/>
+              <a:gd name="connsiteX9" fmla="*/ 677557 w 1371600"/>
+              <a:gd name="connsiteY9" fmla="*/ 663962 h 1371600"/>
+              <a:gd name="connsiteX10" fmla="*/ 677557 w 1371600"/>
+              <a:gd name="connsiteY10" fmla="*/ 438024 h 1371600"/>
+              <a:gd name="connsiteX11" fmla="*/ 677060 w 1371600"/>
+              <a:gd name="connsiteY11" fmla="*/ 438024 h 1371600"/>
+              <a:gd name="connsiteX12" fmla="*/ 680069 w 1371600"/>
+              <a:gd name="connsiteY12" fmla="*/ 424477 h 1371600"/>
+              <a:gd name="connsiteX13" fmla="*/ 803425 w 1371600"/>
+              <a:gd name="connsiteY13" fmla="*/ 350145 h 1371600"/>
+              <a:gd name="connsiteX14" fmla="*/ 803425 w 1371600"/>
+              <a:gd name="connsiteY14" fmla="*/ 349601 h 1371600"/>
+              <a:gd name="connsiteX15" fmla="*/ 958412 w 1371600"/>
+              <a:gd name="connsiteY15" fmla="*/ 349601 h 1371600"/>
+              <a:gd name="connsiteX16" fmla="*/ 958412 w 1371600"/>
+              <a:gd name="connsiteY16" fmla="*/ 167585 h 1371600"/>
+              <a:gd name="connsiteX17" fmla="*/ 803425 w 1371600"/>
+              <a:gd name="connsiteY17" fmla="*/ 167585 h 1371600"/>
+              <a:gd name="connsiteX18" fmla="*/ 768066 w 1371600"/>
+              <a:gd name="connsiteY18" fmla="*/ 167585 h 1371600"/>
+              <a:gd name="connsiteX19" fmla="*/ 768066 w 1371600"/>
+              <a:gd name="connsiteY19" fmla="*/ 173210 h 1371600"/>
+              <a:gd name="connsiteX20" fmla="*/ 687363 w 1371600"/>
+              <a:gd name="connsiteY20" fmla="*/ 186047 h 1371600"/>
+              <a:gd name="connsiteX21" fmla="*/ 472729 w 1371600"/>
+              <a:gd name="connsiteY21" fmla="*/ 410531 h 1371600"/>
+              <a:gd name="connsiteX22" fmla="*/ 469654 w 1371600"/>
+              <a:gd name="connsiteY22" fmla="*/ 438024 h 1371600"/>
+              <a:gd name="connsiteX23" fmla="*/ 465871 w 1371600"/>
+              <a:gd name="connsiteY23" fmla="*/ 438024 h 1371600"/>
+              <a:gd name="connsiteX24" fmla="*/ 465871 w 1371600"/>
+              <a:gd name="connsiteY24" fmla="*/ 471852 h 1371600"/>
+              <a:gd name="connsiteX25" fmla="*/ 465871 w 1371600"/>
+              <a:gd name="connsiteY25" fmla="*/ 663962 h 1371600"/>
+              <a:gd name="connsiteX26" fmla="*/ 333440 w 1371600"/>
+              <a:gd name="connsiteY26" fmla="*/ 663962 h 1371600"/>
+              <a:gd name="connsiteX27" fmla="*/ 333440 w 1371600"/>
+              <a:gd name="connsiteY27" fmla="*/ 813932 h 1371600"/>
+              <a:gd name="connsiteX28" fmla="*/ 465871 w 1371600"/>
+              <a:gd name="connsiteY28" fmla="*/ 813932 h 1371600"/>
+              <a:gd name="connsiteX29" fmla="*/ 465871 w 1371600"/>
+              <a:gd name="connsiteY29" fmla="*/ 1128292 h 1371600"/>
+              <a:gd name="connsiteX30" fmla="*/ 465871 w 1371600"/>
+              <a:gd name="connsiteY30" fmla="*/ 1223747 h 1371600"/>
+              <a:gd name="connsiteX31" fmla="*/ 465871 w 1371600"/>
+              <a:gd name="connsiteY31" fmla="*/ 1332301 h 1371600"/>
+              <a:gd name="connsiteX32" fmla="*/ 418856 w 1371600"/>
+              <a:gd name="connsiteY32" fmla="*/ 1317707 h 1371600"/>
+              <a:gd name="connsiteX33" fmla="*/ 0 w 1371600"/>
+              <a:gd name="connsiteY33" fmla="*/ 685800 h 1371600"/>
+              <a:gd name="connsiteX34" fmla="*/ 685800 w 1371600"/>
+              <a:gd name="connsiteY34" fmla="*/ 0 h 1371600"/>
+            </a:gdLst>
+            <a:ahLst/>
+            <a:cxnLst>
+              <a:cxn ang="0">
+                <a:pos x="connsiteX0" y="connsiteY0"/>
+              </a:cxn>
+              <a:cxn ang="0">
+                <a:pos x="connsiteX1" y="connsiteY1"/>
+              </a:cxn>
+              <a:cxn ang="0">
+                <a:pos x="connsiteX2" y="connsiteY2"/>
+              </a:cxn>
+              <a:cxn ang="0">
+                <a:pos x="connsiteX3" y="connsiteY3"/>
+              </a:cxn>
+              <a:cxn ang="0">
+                <a:pos x="connsiteX4" y="connsiteY4"/>
+              </a:cxn>
+              <a:cxn ang="0">
+                <a:pos x="connsiteX5" y="connsiteY5"/>
+              </a:cxn>
+              <a:cxn ang="0">
+                <a:pos x="connsiteX6" y="connsiteY6"/>
+              </a:cxn>
+              <a:cxn ang="0">
+                <a:pos x="connsiteX7" y="connsiteY7"/>
+              </a:cxn>
+              <a:cxn ang="0">
+                <a:pos x="connsiteX8" y="connsiteY8"/>
+              </a:cxn>
+              <a:cxn ang="0">
+                <a:pos x="connsiteX9" y="connsiteY9"/>
+              </a:cxn>
+              <a:cxn ang="0">
+                <a:pos x="connsiteX10" y="connsiteY10"/>
+              </a:cxn>
+              <a:cxn ang="0">
+                <a:pos x="connsiteX11" y="connsiteY11"/>
+              </a:cxn>
+              <a:cxn ang="0">
+                <a:pos x="connsiteX12" y="connsiteY12"/>
+              </a:cxn>
+              <a:cxn ang="0">
+                <a:pos x="connsiteX13" y="connsiteY13"/>
+              </a:cxn>
+              <a:cxn ang="0">
+                <a:pos x="connsiteX14" y="connsiteY14"/>
+              </a:cxn>
+              <a:cxn ang="0">
+                <a:pos x="connsiteX15" y="connsiteY15"/>
+              </a:cxn>
+              <a:cxn ang="0">
+                <a:pos x="connsiteX16" y="connsiteY16"/>
+              </a:cxn>
+              <a:cxn ang="0">
+                <a:pos x="connsiteX17" y="connsiteY17"/>
+              </a:cxn>
+              <a:cxn ang="0">
+                <a:pos x="connsiteX18" y="connsiteY18"/>
+              </a:cxn>
+              <a:cxn ang="0">
+                <a:pos x="connsiteX19" y="connsiteY19"/>
+              </a:cxn>
+              <a:cxn ang="0">
+                <a:pos x="connsiteX20" y="connsiteY20"/>
+              </a:cxn>
+              <a:cxn ang="0">
+                <a:pos x="connsiteX21" y="connsiteY21"/>
+              </a:cxn>
+              <a:cxn ang="0">
+                <a:pos x="connsiteX22" y="connsiteY22"/>
+              </a:cxn>
+              <a:cxn ang="0">
+                <a:pos x="connsiteX23" y="connsiteY23"/>
+              </a:cxn>
+              <a:cxn ang="0">
+                <a:pos x="connsiteX24" y="connsiteY24"/>
+              </a:cxn>
+              <a:cxn ang="0">
+                <a:pos x="connsiteX25" y="connsiteY25"/>
+              </a:cxn>
+              <a:cxn ang="0">
+                <a:pos x="connsiteX26" y="connsiteY26"/>
+              </a:cxn>
+              <a:cxn ang="0">
+                <a:pos x="connsiteX27" y="connsiteY27"/>
+              </a:cxn>
+              <a:cxn ang="0">
+                <a:pos x="connsiteX28" y="connsiteY28"/>
+              </a:cxn>
+              <a:cxn ang="0">
+                <a:pos x="connsiteX29" y="connsiteY29"/>
+              </a:cxn>
+              <a:cxn ang="0">
+                <a:pos x="connsiteX30" y="connsiteY30"/>
+              </a:cxn>
+              <a:cxn ang="0">
+                <a:pos x="connsiteX31" y="connsiteY31"/>
+              </a:cxn>
+              <a:cxn ang="0">
+                <a:pos x="connsiteX32" y="connsiteY32"/>
+              </a:cxn>
+              <a:cxn ang="0">
+                <a:pos x="connsiteX33" y="connsiteY33"/>
+              </a:cxn>
+              <a:cxn ang="0">
+                <a:pos x="connsiteX34" y="connsiteY34"/>
+              </a:cxn>
+            </a:cxnLst>
+            <a:rect l="l" t="t" r="r" b="b"/>
+            <a:pathLst>
+              <a:path w="1371600" h="1371600">
+                <a:moveTo>
+                  <a:pt x="685800" y="0"/>
+                </a:moveTo>
+                <a:cubicBezTo>
+                  <a:pt x="1064557" y="0"/>
+                  <a:pt x="1371600" y="307043"/>
+                  <a:pt x="1371600" y="685800"/>
+                </a:cubicBezTo>
+                <a:cubicBezTo>
+                  <a:pt x="1371600" y="1064557"/>
+                  <a:pt x="1064557" y="1371600"/>
+                  <a:pt x="685800" y="1371600"/>
+                </a:cubicBezTo>
+                <a:lnTo>
+                  <a:pt x="679237" y="1370939"/>
+                </a:lnTo>
+                <a:lnTo>
+                  <a:pt x="679237" y="1128292"/>
+                </a:lnTo>
+                <a:lnTo>
+                  <a:pt x="677557" y="1128292"/>
+                </a:lnTo>
+                <a:lnTo>
+                  <a:pt x="677557" y="813932"/>
+                </a:lnTo>
+                <a:lnTo>
+                  <a:pt x="809197" y="813932"/>
+                </a:lnTo>
+                <a:lnTo>
+                  <a:pt x="877992" y="663962"/>
+                </a:lnTo>
+                <a:lnTo>
+                  <a:pt x="677557" y="663962"/>
+                </a:lnTo>
+                <a:lnTo>
+                  <a:pt x="677557" y="438024"/>
+                </a:lnTo>
+                <a:lnTo>
+                  <a:pt x="677060" y="438024"/>
+                </a:lnTo>
+                <a:lnTo>
+                  <a:pt x="680069" y="424477"/>
+                </a:lnTo>
+                <a:cubicBezTo>
+                  <a:pt x="700392" y="380795"/>
+                  <a:pt x="747971" y="350145"/>
+                  <a:pt x="803425" y="350145"/>
+                </a:cubicBezTo>
+                <a:lnTo>
+                  <a:pt x="803425" y="349601"/>
+                </a:lnTo>
+                <a:lnTo>
+                  <a:pt x="958412" y="349601"/>
+                </a:lnTo>
+                <a:lnTo>
+                  <a:pt x="958412" y="167585"/>
+                </a:lnTo>
+                <a:lnTo>
+                  <a:pt x="803425" y="167585"/>
+                </a:lnTo>
+                <a:lnTo>
+                  <a:pt x="768066" y="167585"/>
+                </a:lnTo>
+                <a:lnTo>
+                  <a:pt x="768066" y="173210"/>
+                </a:lnTo>
+                <a:lnTo>
+                  <a:pt x="687363" y="186047"/>
+                </a:lnTo>
+                <a:cubicBezTo>
+                  <a:pt x="578794" y="221881"/>
+                  <a:pt x="496336" y="306544"/>
+                  <a:pt x="472729" y="410531"/>
+                </a:cubicBezTo>
+                <a:lnTo>
+                  <a:pt x="469654" y="438024"/>
+                </a:lnTo>
+                <a:lnTo>
+                  <a:pt x="465871" y="438024"/>
+                </a:lnTo>
+                <a:lnTo>
+                  <a:pt x="465871" y="471852"/>
+                </a:lnTo>
+                <a:lnTo>
+                  <a:pt x="465871" y="663962"/>
+                </a:lnTo>
+                <a:lnTo>
+                  <a:pt x="333440" y="663962"/>
+                </a:lnTo>
+                <a:lnTo>
+                  <a:pt x="333440" y="813932"/>
+                </a:lnTo>
+                <a:lnTo>
+                  <a:pt x="465871" y="813932"/>
+                </a:lnTo>
+                <a:lnTo>
+                  <a:pt x="465871" y="1128292"/>
+                </a:lnTo>
+                <a:lnTo>
+                  <a:pt x="465871" y="1223747"/>
+                </a:lnTo>
+                <a:lnTo>
+                  <a:pt x="465871" y="1332301"/>
+                </a:lnTo>
+                <a:lnTo>
+                  <a:pt x="418856" y="1317707"/>
+                </a:lnTo>
+                <a:cubicBezTo>
+                  <a:pt x="172712" y="1213597"/>
+                  <a:pt x="0" y="969868"/>
+                  <a:pt x="0" y="685800"/>
+                </a:cubicBezTo>
+                <a:cubicBezTo>
+                  <a:pt x="0" y="307043"/>
+                  <a:pt x="307043" y="0"/>
+                  <a:pt x="685800" y="0"/>
+                </a:cubicBezTo>
+                <a:close/>
+              </a:path>
+            </a:pathLst>
+          </a:custGeom>
           <a:solidFill>
-            <a:schemeClr val="bg1"/>
+            <a:srgbClr val="0066FF"/>
           </a:solidFill>
           <a:ln>
             <a:noFill/>
@@ -4437,7 +5730,9 @@
           </a:fontRef>
         </p:style>
         <p:txBody>
-          <a:bodyPr rtlCol="0" anchor="ctr"/>
+          <a:bodyPr wrap="square" rtlCol="0" anchor="ctr">
+            <a:noAutofit/>
+          </a:bodyPr>
           <a:lstStyle/>
           <a:p>
             <a:pPr algn="ctr"/>
@@ -4447,10 +5742,10 @@
       </p:sp>
       <p:pic>
         <p:nvPicPr>
-          <p:cNvPr id="31" name="Picture 30">
+          <p:cNvPr id="51" name="Picture 50">
             <a:extLst>
               <a:ext uri="{FF2B5EF4-FFF2-40B4-BE49-F238E27FC236}">
-                <a16:creationId xmlns:a16="http://schemas.microsoft.com/office/drawing/2014/main" id="{E43E14B3-49BF-2BFE-5BE3-B58E9F8EDE18}"/>
+                <a16:creationId xmlns:a16="http://schemas.microsoft.com/office/drawing/2014/main" id="{27A0DE75-9DD9-BA9A-7F66-FF5B6DE67B3B}"/>
               </a:ext>
             </a:extLst>
           </p:cNvPr>
@@ -4460,15 +5755,15 @@
           <p:nvPr/>
         </p:nvPicPr>
         <p:blipFill>
-          <a:blip r:embed="rId10"/>
+          <a:blip r:embed="rId11"/>
           <a:stretch>
             <a:fillRect/>
           </a:stretch>
         </p:blipFill>
         <p:spPr>
           <a:xfrm>
-            <a:off x="412305" y="24219478"/>
-            <a:ext cx="10595514" cy="1645131"/>
+            <a:off x="-7481" y="21639749"/>
+            <a:ext cx="14452339" cy="2243968"/>
           </a:xfrm>
           <a:prstGeom prst="rect">
             <a:avLst/>
@@ -4477,10 +5772,57 @@
       </p:pic>
       <p:pic>
         <p:nvPicPr>
-          <p:cNvPr id="26" name="Picture 25">
+          <p:cNvPr id="53" name="Picture 10" descr="New Instagram Logo PNG Images 2023">
             <a:extLst>
               <a:ext uri="{FF2B5EF4-FFF2-40B4-BE49-F238E27FC236}">
-                <a16:creationId xmlns:a16="http://schemas.microsoft.com/office/drawing/2014/main" id="{40B5BD0E-27AF-1848-9DB4-89CEFD0A700E}"/>
+                <a16:creationId xmlns:a16="http://schemas.microsoft.com/office/drawing/2014/main" id="{406AD92A-5262-E4CE-5EB1-4E81BAD73AF4}"/>
+              </a:ext>
+            </a:extLst>
+          </p:cNvPr>
+          <p:cNvPicPr>
+            <a:picLocks noChangeAspect="1" noChangeArrowheads="1"/>
+          </p:cNvPicPr>
+          <p:nvPr/>
+        </p:nvPicPr>
+        <p:blipFill>
+          <a:blip r:embed="rId12" cstate="print">
+            <a:extLst>
+              <a:ext uri="{28A0092B-C50C-407E-A947-70E740481C1C}">
+                <a14:useLocalDpi xmlns:a14="http://schemas.microsoft.com/office/drawing/2010/main" val="0"/>
+              </a:ext>
+            </a:extLst>
+          </a:blip>
+          <a:srcRect/>
+          <a:stretch>
+            <a:fillRect/>
+          </a:stretch>
+        </p:blipFill>
+        <p:spPr bwMode="auto">
+          <a:xfrm>
+            <a:off x="13552683" y="22986892"/>
+            <a:ext cx="1111715" cy="1111715"/>
+          </a:xfrm>
+          <a:prstGeom prst="rect">
+            <a:avLst/>
+          </a:prstGeom>
+          <a:noFill/>
+          <a:extLst>
+            <a:ext uri="{909E8E84-426E-40DD-AFC4-6F175D3DCCD1}">
+              <a14:hiddenFill xmlns:a14="http://schemas.microsoft.com/office/drawing/2010/main">
+                <a:solidFill>
+                  <a:srgbClr val="FFFFFF"/>
+                </a:solidFill>
+              </a14:hiddenFill>
+            </a:ext>
+          </a:extLst>
+        </p:spPr>
+      </p:pic>
+      <p:pic>
+        <p:nvPicPr>
+          <p:cNvPr id="54" name="Picture 53">
+            <a:extLst>
+              <a:ext uri="{FF2B5EF4-FFF2-40B4-BE49-F238E27FC236}">
+                <a16:creationId xmlns:a16="http://schemas.microsoft.com/office/drawing/2014/main" id="{6DC76844-3274-C6D1-9C36-8EECE61DA982}"/>
               </a:ext>
             </a:extLst>
           </p:cNvPr>
@@ -4490,7 +5832,37 @@
           <p:nvPr/>
         </p:nvPicPr>
         <p:blipFill>
-          <a:blip r:embed="rId11">
+          <a:blip r:embed="rId13"/>
+          <a:stretch>
+            <a:fillRect/>
+          </a:stretch>
+        </p:blipFill>
+        <p:spPr>
+          <a:xfrm>
+            <a:off x="6939" y="18904996"/>
+            <a:ext cx="11265477" cy="2710296"/>
+          </a:xfrm>
+          <a:prstGeom prst="rect">
+            <a:avLst/>
+          </a:prstGeom>
+        </p:spPr>
+      </p:pic>
+      <p:pic>
+        <p:nvPicPr>
+          <p:cNvPr id="3" name="Picture 2">
+            <a:extLst>
+              <a:ext uri="{FF2B5EF4-FFF2-40B4-BE49-F238E27FC236}">
+                <a16:creationId xmlns:a16="http://schemas.microsoft.com/office/drawing/2014/main" id="{F35CC730-D922-4093-0A30-B88438F655F3}"/>
+              </a:ext>
+            </a:extLst>
+          </p:cNvPr>
+          <p:cNvPicPr>
+            <a:picLocks noChangeAspect="1"/>
+          </p:cNvPicPr>
+          <p:nvPr/>
+        </p:nvPicPr>
+        <p:blipFill>
+          <a:blip r:embed="rId4">
             <a:extLst>
               <a:ext uri="{28A0092B-C50C-407E-A947-70E740481C1C}">
                 <a14:useLocalDpi xmlns:a14="http://schemas.microsoft.com/office/drawing/2010/main" val="0"/>
@@ -4503,8 +5875,8 @@
         </p:blipFill>
         <p:spPr>
           <a:xfrm>
-            <a:off x="8189180" y="18164914"/>
-            <a:ext cx="7744547" cy="5811765"/>
+            <a:off x="11413492" y="22951082"/>
+            <a:ext cx="1186611" cy="1121788"/>
           </a:xfrm>
           <a:prstGeom prst="rect">
             <a:avLst/>
@@ -4513,370 +5885,55 @@
       </p:pic>
       <p:pic>
         <p:nvPicPr>
-          <p:cNvPr id="28" name="Picture 27">
+          <p:cNvPr id="6" name="Picture 2" descr="Download Google Play Icon Royalty-Free Vector Graphic - Pixabay">
             <a:extLst>
               <a:ext uri="{FF2B5EF4-FFF2-40B4-BE49-F238E27FC236}">
-                <a16:creationId xmlns:a16="http://schemas.microsoft.com/office/drawing/2014/main" id="{BB4E11D7-E18B-A672-A882-F19BAC3646FD}"/>
+                <a16:creationId xmlns:a16="http://schemas.microsoft.com/office/drawing/2014/main" id="{C069F6F1-A5CE-7ACC-E833-13BEB8B9F865}"/>
               </a:ext>
             </a:extLst>
           </p:cNvPr>
           <p:cNvPicPr>
-            <a:picLocks noChangeAspect="1"/>
+            <a:picLocks noChangeAspect="1" noChangeArrowheads="1"/>
           </p:cNvPicPr>
           <p:nvPr/>
         </p:nvPicPr>
         <p:blipFill>
-          <a:blip r:embed="rId11">
+          <a:blip r:embed="rId14">
             <a:extLst>
               <a:ext uri="{28A0092B-C50C-407E-A947-70E740481C1C}">
                 <a14:useLocalDpi xmlns:a14="http://schemas.microsoft.com/office/drawing/2010/main" val="0"/>
               </a:ext>
             </a:extLst>
           </a:blip>
+          <a:srcRect/>
           <a:stretch>
             <a:fillRect/>
           </a:stretch>
         </p:blipFill>
-        <p:spPr>
-          <a:xfrm flipH="1">
-            <a:off x="-2268822" y="18211399"/>
-            <a:ext cx="7358184" cy="5811765"/>
-          </a:xfrm>
-          <a:prstGeom prst="rect">
-            <a:avLst/>
-          </a:prstGeom>
-        </p:spPr>
-      </p:pic>
-      <p:pic>
-        <p:nvPicPr>
-          <p:cNvPr id="29" name="Picture 28">
-            <a:extLst>
-              <a:ext uri="{FF2B5EF4-FFF2-40B4-BE49-F238E27FC236}">
-                <a16:creationId xmlns:a16="http://schemas.microsoft.com/office/drawing/2014/main" id="{A622DD28-862B-63BF-DF65-1EC2D878807E}"/>
-              </a:ext>
-            </a:extLst>
-          </p:cNvPr>
-          <p:cNvPicPr>
-            <a:picLocks noChangeAspect="1"/>
-          </p:cNvPicPr>
-          <p:nvPr/>
-        </p:nvPicPr>
-        <p:blipFill>
-          <a:blip r:embed="rId12"/>
-          <a:stretch>
-            <a:fillRect/>
-          </a:stretch>
-        </p:blipFill>
-        <p:spPr>
+        <p:spPr bwMode="auto">
           <a:xfrm>
-            <a:off x="-26041" y="21214275"/>
-            <a:ext cx="9895043" cy="2381331"/>
-          </a:xfrm>
-          <a:prstGeom prst="rect">
-            <a:avLst/>
-          </a:prstGeom>
-        </p:spPr>
-      </p:pic>
-      <p:sp>
-        <p:nvSpPr>
-          <p:cNvPr id="43" name="TextBox 42">
-            <a:extLst>
-              <a:ext uri="{FF2B5EF4-FFF2-40B4-BE49-F238E27FC236}">
-                <a16:creationId xmlns:a16="http://schemas.microsoft.com/office/drawing/2014/main" id="{40B9BBFF-109F-7FAD-CF9E-14C885B1D1BA}"/>
-              </a:ext>
-            </a:extLst>
-          </p:cNvPr>
-          <p:cNvSpPr txBox="1"/>
-          <p:nvPr/>
-        </p:nvSpPr>
-        <p:spPr>
-          <a:xfrm>
-            <a:off x="54928" y="26362425"/>
-            <a:ext cx="25507765" cy="11941731"/>
+            <a:off x="9767967" y="23005306"/>
+            <a:ext cx="891518" cy="999715"/>
           </a:xfrm>
           <a:prstGeom prst="rect">
             <a:avLst/>
           </a:prstGeom>
           <a:noFill/>
-        </p:spPr>
-        <p:txBody>
-          <a:bodyPr wrap="square">
-            <a:spAutoFit/>
-          </a:bodyPr>
-          <a:lstStyle/>
-          <a:p>
-            <a:pPr algn="ctr">
-              <a:lnSpc>
-                <a:spcPct val="250000"/>
-              </a:lnSpc>
-            </a:pPr>
-            <a:r>
-              <a:rPr lang="en-US" sz="9600" b="1" cap="small" dirty="0">
+          <a:extLst>
+            <a:ext uri="{909E8E84-426E-40DD-AFC4-6F175D3DCCD1}">
+              <a14:hiddenFill xmlns:a14="http://schemas.microsoft.com/office/drawing/2010/main">
                 <a:solidFill>
-                  <a:srgbClr val="C00000"/>
+                  <a:srgbClr val="FFFFFF"/>
                 </a:solidFill>
-                <a:latin typeface="Oxygen" panose="02000503000000000000" pitchFamily="2" charset="0"/>
-              </a:rPr>
-              <a:t>Artificial Intelligence, Robotics - Class III-XII</a:t>
-            </a:r>
-          </a:p>
-          <a:p>
-            <a:pPr algn="ctr"/>
-            <a:r>
-              <a:rPr lang="en-US" sz="9800" b="1" cap="small" dirty="0">
-                <a:solidFill>
-                  <a:schemeClr val="accent1">
-                    <a:lumMod val="50000"/>
-                  </a:schemeClr>
-                </a:solidFill>
-                <a:latin typeface="Oxygen" panose="02000503000000000000" pitchFamily="2" charset="0"/>
-              </a:rPr>
-              <a:t>Professional AI &amp; IT Training &amp; Projects </a:t>
-            </a:r>
-            <a:r>
-              <a:rPr lang="en-US" sz="7200" b="1" cap="small" dirty="0">
-                <a:solidFill>
-                  <a:schemeClr val="accent1">
-                    <a:lumMod val="75000"/>
-                  </a:schemeClr>
-                </a:solidFill>
-                <a:latin typeface="Oxygen" panose="02000503000000000000" pitchFamily="2" charset="0"/>
-              </a:rPr>
-              <a:t>Data Science, Computer Vision, NLP, DSP</a:t>
-            </a:r>
-          </a:p>
-          <a:p>
-            <a:pPr algn="ctr"/>
-            <a:r>
-              <a:rPr lang="en-US" sz="7200" b="1" cap="small" dirty="0">
-                <a:solidFill>
-                  <a:schemeClr val="accent1">
-                    <a:lumMod val="75000"/>
-                  </a:schemeClr>
-                </a:solidFill>
-                <a:latin typeface="Oxygen" panose="02000503000000000000" pitchFamily="2" charset="0"/>
-              </a:rPr>
-              <a:t>Python, Data Analytics, C, C++, IoT, Robotics</a:t>
-            </a:r>
-          </a:p>
-          <a:p>
-            <a:pPr algn="ctr"/>
-            <a:r>
-              <a:rPr lang="en-US" sz="7200" b="1" cap="small" dirty="0">
-                <a:solidFill>
-                  <a:schemeClr val="accent1">
-                    <a:lumMod val="75000"/>
-                  </a:schemeClr>
-                </a:solidFill>
-                <a:latin typeface="Oxygen" panose="02000503000000000000" pitchFamily="2" charset="0"/>
-              </a:rPr>
-              <a:t>Java, .NET, JavaScript, ReactJS, Native, PHP</a:t>
-            </a:r>
-          </a:p>
-          <a:p>
-            <a:pPr algn="ctr"/>
-            <a:r>
-              <a:rPr lang="en-US" sz="7200" b="1" cap="small" dirty="0">
-                <a:solidFill>
-                  <a:schemeClr val="accent1">
-                    <a:lumMod val="75000"/>
-                  </a:schemeClr>
-                </a:solidFill>
-                <a:latin typeface="Oxygen" panose="02000503000000000000" pitchFamily="2" charset="0"/>
-              </a:rPr>
-              <a:t>DevOps, Docker, Kubernetes, Cloud</a:t>
-            </a:r>
-          </a:p>
-          <a:p>
-            <a:pPr algn="ctr"/>
-            <a:r>
-              <a:rPr lang="en-US" sz="7200" b="1" cap="small" dirty="0">
-                <a:solidFill>
-                  <a:schemeClr val="accent1">
-                    <a:lumMod val="75000"/>
-                  </a:schemeClr>
-                </a:solidFill>
-                <a:latin typeface="Oxygen" panose="02000503000000000000" pitchFamily="2" charset="0"/>
-              </a:rPr>
-              <a:t>Database, Firebase, Cyber Sec, Automation Test</a:t>
-            </a:r>
-          </a:p>
-          <a:p>
-            <a:pPr algn="ctr"/>
-            <a:r>
-              <a:rPr lang="en-US" sz="7200" b="1" cap="small" dirty="0">
-                <a:solidFill>
-                  <a:schemeClr val="accent1">
-                    <a:lumMod val="75000"/>
-                  </a:schemeClr>
-                </a:solidFill>
-                <a:latin typeface="Oxygen" panose="02000503000000000000" pitchFamily="2" charset="0"/>
-              </a:rPr>
-              <a:t>Pmp, Agile, Office, Adv Excel, Tally, Html, Css</a:t>
-            </a:r>
-            <a:endParaRPr lang="en-US" sz="4800" b="1" cap="small" dirty="0">
-              <a:solidFill>
-                <a:schemeClr val="accent1">
-                  <a:lumMod val="50000"/>
-                </a:schemeClr>
-              </a:solidFill>
-              <a:latin typeface="Oxygen" panose="02000503000000000000" pitchFamily="2" charset="0"/>
-            </a:endParaRPr>
-          </a:p>
-        </p:txBody>
-      </p:sp>
-      <p:sp>
-        <p:nvSpPr>
-          <p:cNvPr id="5" name="32-Point Star 20">
-            <a:extLst>
-              <a:ext uri="{FF2B5EF4-FFF2-40B4-BE49-F238E27FC236}">
-                <a16:creationId xmlns:a16="http://schemas.microsoft.com/office/drawing/2014/main" id="{289CD75F-7CF1-5CFC-BD95-6E64C730FC36}"/>
-              </a:ext>
-            </a:extLst>
-          </p:cNvPr>
-          <p:cNvSpPr/>
-          <p:nvPr/>
-        </p:nvSpPr>
-        <p:spPr>
-          <a:xfrm rot="21231751">
-            <a:off x="348507" y="9991605"/>
-            <a:ext cx="6479494" cy="4860235"/>
-          </a:xfrm>
-          <a:prstGeom prst="star32">
-            <a:avLst/>
-          </a:prstGeom>
-          <a:solidFill>
-            <a:srgbClr val="002060"/>
-          </a:solidFill>
-          <a:ln w="203200">
-            <a:solidFill>
-              <a:srgbClr val="FF0000"/>
-            </a:solidFill>
-          </a:ln>
-        </p:spPr>
-        <p:style>
-          <a:lnRef idx="2">
-            <a:schemeClr val="accent1">
-              <a:shade val="50000"/>
-            </a:schemeClr>
-          </a:lnRef>
-          <a:fillRef idx="1">
-            <a:schemeClr val="accent1"/>
-          </a:fillRef>
-          <a:effectRef idx="0">
-            <a:schemeClr val="accent1"/>
-          </a:effectRef>
-          <a:fontRef idx="minor">
-            <a:schemeClr val="lt1"/>
-          </a:fontRef>
-        </p:style>
-        <p:txBody>
-          <a:bodyPr rtlCol="0" anchor="ctr"/>
-          <a:lstStyle/>
-          <a:p>
-            <a:pPr algn="ctr"/>
-            <a:r>
-              <a:rPr lang="en-US" sz="2800" b="1" cap="small" dirty="0">
-                <a:solidFill>
-                  <a:schemeClr val="bg1"/>
-                </a:solidFill>
-                <a:latin typeface="Oxygen" panose="02000503000000000000" pitchFamily="2" charset="0"/>
-              </a:rPr>
-              <a:t>Upto </a:t>
-            </a:r>
-            <a:r>
-              <a:rPr lang="en-US" sz="11500" b="1" cap="small" dirty="0">
-                <a:solidFill>
-                  <a:schemeClr val="bg1"/>
-                </a:solidFill>
-                <a:latin typeface="Oxygen" panose="02000503000000000000" pitchFamily="2" charset="0"/>
-              </a:rPr>
-              <a:t>50%</a:t>
-            </a:r>
-            <a:r>
-              <a:rPr lang="en-US" sz="2800" b="1" cap="small" dirty="0">
-                <a:solidFill>
-                  <a:schemeClr val="bg1"/>
-                </a:solidFill>
-                <a:latin typeface="Oxygen" panose="02000503000000000000" pitchFamily="2" charset="0"/>
-              </a:rPr>
-              <a:t> Off</a:t>
-            </a:r>
-            <a:r>
-              <a:rPr lang="en-US" sz="4400" b="1" cap="small" dirty="0">
-                <a:solidFill>
-                  <a:schemeClr val="bg1"/>
-                </a:solidFill>
-                <a:latin typeface="Oxygen" panose="02000503000000000000" pitchFamily="2" charset="0"/>
-              </a:rPr>
-              <a:t> </a:t>
-            </a:r>
-          </a:p>
-          <a:p>
-            <a:pPr algn="ctr"/>
-            <a:r>
-              <a:rPr lang="en-US" sz="2800" b="1" cap="small" dirty="0">
-                <a:solidFill>
-                  <a:schemeClr val="bg1"/>
-                </a:solidFill>
-                <a:latin typeface="Oxygen" panose="02000503000000000000" pitchFamily="2" charset="0"/>
-              </a:rPr>
-              <a:t>T&amp;C Applies</a:t>
-            </a:r>
-          </a:p>
-        </p:txBody>
-      </p:sp>
-      <p:sp>
-        <p:nvSpPr>
-          <p:cNvPr id="49" name="TextBox 48">
-            <a:extLst>
-              <a:ext uri="{FF2B5EF4-FFF2-40B4-BE49-F238E27FC236}">
-                <a16:creationId xmlns:a16="http://schemas.microsoft.com/office/drawing/2014/main" id="{A78A26A3-6E03-D16E-D6B2-4CE07FC77059}"/>
-              </a:ext>
-            </a:extLst>
-          </p:cNvPr>
-          <p:cNvSpPr txBox="1"/>
-          <p:nvPr/>
-        </p:nvSpPr>
-        <p:spPr>
-          <a:xfrm>
-            <a:off x="16582" y="26053386"/>
-            <a:ext cx="17669839" cy="1446550"/>
-          </a:xfrm>
-          <a:prstGeom prst="rect">
-            <a:avLst/>
-          </a:prstGeom>
-          <a:noFill/>
-        </p:spPr>
-        <p:txBody>
-          <a:bodyPr wrap="square">
-            <a:spAutoFit/>
-          </a:bodyPr>
-          <a:lstStyle/>
-          <a:p>
-            <a:pPr algn="ctr"/>
-            <a:r>
-              <a:rPr lang="en-US" sz="4400" b="1" cap="small" dirty="0">
-                <a:latin typeface="Oxygen" panose="02000503000000000000" pitchFamily="2" charset="0"/>
-              </a:rPr>
-              <a:t>Globally experienced faculty from prestigious organizations</a:t>
-            </a:r>
-          </a:p>
-          <a:p>
-            <a:pPr algn="ctr"/>
-            <a:r>
-              <a:rPr lang="en-US" sz="4400" b="1" cap="small" dirty="0">
-                <a:latin typeface="Oxygen" panose="02000503000000000000" pitchFamily="2" charset="0"/>
-              </a:rPr>
-              <a:t>fun learning, Project based, Career Focused, Certification Help</a:t>
-            </a:r>
-          </a:p>
-        </p:txBody>
-      </p:sp>
+              </a14:hiddenFill>
+            </a:ext>
+          </a:extLst>
+        </p:spPr>
+      </p:pic>
     </p:spTree>
     <p:extLst>
       <p:ext uri="{BB962C8B-B14F-4D97-AF65-F5344CB8AC3E}">
-        <p14:creationId xmlns:p14="http://schemas.microsoft.com/office/powerpoint/2010/main" val="2224659747"/>
+        <p14:creationId xmlns:p14="http://schemas.microsoft.com/office/powerpoint/2010/main" val="3769302042"/>
       </p:ext>
     </p:extLst>
   </p:cSld>

--- a/Offline/Marketing/MarketingArtworks/pptx/PosterBrandAmbassador.pptx
+++ b/Offline/Marketing/MarketingArtworks/pptx/PosterBrandAmbassador.pptx
@@ -244,7 +244,7 @@
           <a:p>
             <a:fld id="{E3759604-EFD2-4C79-BE13-E71CA39EA512}" type="datetimeFigureOut">
               <a:rPr lang="en-US" smtClean="0"/>
-              <a:t>8/13/2023</a:t>
+              <a:t>8/14/2023</a:t>
             </a:fld>
             <a:endParaRPr lang="en-US"/>
           </a:p>
@@ -414,7 +414,7 @@
           <a:p>
             <a:fld id="{E3759604-EFD2-4C79-BE13-E71CA39EA512}" type="datetimeFigureOut">
               <a:rPr lang="en-US" smtClean="0"/>
-              <a:t>8/13/2023</a:t>
+              <a:t>8/14/2023</a:t>
             </a:fld>
             <a:endParaRPr lang="en-US"/>
           </a:p>
@@ -594,7 +594,7 @@
           <a:p>
             <a:fld id="{E3759604-EFD2-4C79-BE13-E71CA39EA512}" type="datetimeFigureOut">
               <a:rPr lang="en-US" smtClean="0"/>
-              <a:t>8/13/2023</a:t>
+              <a:t>8/14/2023</a:t>
             </a:fld>
             <a:endParaRPr lang="en-US"/>
           </a:p>
@@ -764,7 +764,7 @@
           <a:p>
             <a:fld id="{E3759604-EFD2-4C79-BE13-E71CA39EA512}" type="datetimeFigureOut">
               <a:rPr lang="en-US" smtClean="0"/>
-              <a:t>8/13/2023</a:t>
+              <a:t>8/14/2023</a:t>
             </a:fld>
             <a:endParaRPr lang="en-US"/>
           </a:p>
@@ -1008,7 +1008,7 @@
           <a:p>
             <a:fld id="{E3759604-EFD2-4C79-BE13-E71CA39EA512}" type="datetimeFigureOut">
               <a:rPr lang="en-US" smtClean="0"/>
-              <a:t>8/13/2023</a:t>
+              <a:t>8/14/2023</a:t>
             </a:fld>
             <a:endParaRPr lang="en-US"/>
           </a:p>
@@ -1240,7 +1240,7 @@
           <a:p>
             <a:fld id="{E3759604-EFD2-4C79-BE13-E71CA39EA512}" type="datetimeFigureOut">
               <a:rPr lang="en-US" smtClean="0"/>
-              <a:t>8/13/2023</a:t>
+              <a:t>8/14/2023</a:t>
             </a:fld>
             <a:endParaRPr lang="en-US"/>
           </a:p>
@@ -1607,7 +1607,7 @@
           <a:p>
             <a:fld id="{E3759604-EFD2-4C79-BE13-E71CA39EA512}" type="datetimeFigureOut">
               <a:rPr lang="en-US" smtClean="0"/>
-              <a:t>8/13/2023</a:t>
+              <a:t>8/14/2023</a:t>
             </a:fld>
             <a:endParaRPr lang="en-US"/>
           </a:p>
@@ -1725,7 +1725,7 @@
           <a:p>
             <a:fld id="{E3759604-EFD2-4C79-BE13-E71CA39EA512}" type="datetimeFigureOut">
               <a:rPr lang="en-US" smtClean="0"/>
-              <a:t>8/13/2023</a:t>
+              <a:t>8/14/2023</a:t>
             </a:fld>
             <a:endParaRPr lang="en-US"/>
           </a:p>
@@ -1820,7 +1820,7 @@
           <a:p>
             <a:fld id="{E3759604-EFD2-4C79-BE13-E71CA39EA512}" type="datetimeFigureOut">
               <a:rPr lang="en-US" smtClean="0"/>
-              <a:t>8/13/2023</a:t>
+              <a:t>8/14/2023</a:t>
             </a:fld>
             <a:endParaRPr lang="en-US"/>
           </a:p>
@@ -2097,7 +2097,7 @@
           <a:p>
             <a:fld id="{E3759604-EFD2-4C79-BE13-E71CA39EA512}" type="datetimeFigureOut">
               <a:rPr lang="en-US" smtClean="0"/>
-              <a:t>8/13/2023</a:t>
+              <a:t>8/14/2023</a:t>
             </a:fld>
             <a:endParaRPr lang="en-US"/>
           </a:p>
@@ -2354,7 +2354,7 @@
           <a:p>
             <a:fld id="{E3759604-EFD2-4C79-BE13-E71CA39EA512}" type="datetimeFigureOut">
               <a:rPr lang="en-US" smtClean="0"/>
-              <a:t>8/13/2023</a:t>
+              <a:t>8/14/2023</a:t>
             </a:fld>
             <a:endParaRPr lang="en-US"/>
           </a:p>
@@ -2567,7 +2567,7 @@
           <a:p>
             <a:fld id="{E3759604-EFD2-4C79-BE13-E71CA39EA512}" type="datetimeFigureOut">
               <a:rPr lang="en-US" smtClean="0"/>
-              <a:t>8/13/2023</a:t>
+              <a:t>8/14/2023</a:t>
             </a:fld>
             <a:endParaRPr lang="en-US"/>
           </a:p>
@@ -4166,7 +4166,7 @@
               <a:rPr lang="en-US" sz="5200" b="1" cap="small" dirty="0">
                 <a:latin typeface="Oxygen" panose="02000503000000000000" pitchFamily="2" charset="0"/>
               </a:rPr>
-              <a:t>400+ Courses, 20 Smart Classrooms, CCTV</a:t>
+              <a:t>400+ Courses, 20 Smart Classrooms, AC, CCTV</a:t>
             </a:r>
           </a:p>
           <a:p>
@@ -4175,7 +4175,7 @@
               <a:rPr lang="en-US" sz="5200" b="1" cap="small" dirty="0">
                 <a:latin typeface="Oxygen" panose="02000503000000000000" pitchFamily="2" charset="0"/>
               </a:rPr>
-              <a:t>Professional Courses are Proj-Based, Certification Oriented &amp; Career Focused</a:t>
+              <a:t>Professional Courses are Project-Based, Certification-Oriented &amp; Career-Focused</a:t>
             </a:r>
             <a:endParaRPr lang="en-US" sz="5200" dirty="0"/>
           </a:p>
@@ -5144,7 +5144,7 @@
               <a:rPr lang="en-US" sz="5200" b="1" cap="small" dirty="0">
                 <a:latin typeface="Oxygen" panose="02000503000000000000" pitchFamily="2" charset="0"/>
               </a:rPr>
-              <a:t>Project based, Career Focused, Certification Help, Smart Classrooms, AC, CCTV</a:t>
+              <a:t>Project-based, Career-Focused, Certification Help, Smart Classrooms, AC, CCTV</a:t>
             </a:r>
             <a:endParaRPr lang="en-US" sz="5200" dirty="0"/>
           </a:p>

--- a/Offline/Marketing/MarketingArtworks/pptx/PosterBrandAmbassador.pptx
+++ b/Offline/Marketing/MarketingArtworks/pptx/PosterBrandAmbassador.pptx
@@ -4175,7 +4175,7 @@
               <a:rPr lang="en-US" sz="5200" b="1" cap="small" dirty="0">
                 <a:latin typeface="Oxygen" panose="02000503000000000000" pitchFamily="2" charset="0"/>
               </a:rPr>
-              <a:t>Professional Courses are Project-Based, Certification-Oriented &amp; Career-Focused</a:t>
+              <a:t>Professional Courses are Project-Based, Certification-Oriented &amp; Job-Focused</a:t>
             </a:r>
             <a:endParaRPr lang="en-US" sz="5200" dirty="0"/>
           </a:p>
@@ -4315,7 +4315,7 @@
                 </a:solidFill>
                 <a:latin typeface="Oxygen" panose="02000503000000000000" pitchFamily="2" charset="0"/>
               </a:rPr>
-              <a:t>BCom, BBA, CA, CMA, CS, CFA, CLAT, LLB, LLM</a:t>
+              <a:t>MBA, BBA, BCom, CA, CMA, CS, CFA, CLAT, LLB, LLM</a:t>
             </a:r>
           </a:p>
           <a:p>
@@ -5144,7 +5144,7 @@
               <a:rPr lang="en-US" sz="5200" b="1" cap="small" dirty="0">
                 <a:latin typeface="Oxygen" panose="02000503000000000000" pitchFamily="2" charset="0"/>
               </a:rPr>
-              <a:t>Project-based, Career-Focused, Certification Help, Smart Classrooms, AC, CCTV</a:t>
+              <a:t>Project-based, Job-Focused, Certification-Help, Smart Classrooms, AC, CCTV</a:t>
             </a:r>
             <a:endParaRPr lang="en-US" sz="5200" dirty="0"/>
           </a:p>
